--- a/Presentation/GMPL2LateX-Presentation.pptx
+++ b/Presentation/GMPL2LateX-Presentation.pptx
@@ -5,10 +5,10 @@
     <p:sldMasterId id="2147483648" r:id="rId1"/>
   </p:sldMasterIdLst>
   <p:notesMasterIdLst>
-    <p:notesMasterId r:id="rId14"/>
+    <p:notesMasterId r:id="rId24"/>
   </p:notesMasterIdLst>
   <p:handoutMasterIdLst>
-    <p:handoutMasterId r:id="rId15"/>
+    <p:handoutMasterId r:id="rId25"/>
   </p:handoutMasterIdLst>
   <p:sldIdLst>
     <p:sldId id="256" r:id="rId2"/>
@@ -17,12 +17,22 @@
     <p:sldId id="257" r:id="rId5"/>
     <p:sldId id="267" r:id="rId6"/>
     <p:sldId id="269" r:id="rId7"/>
-    <p:sldId id="262" r:id="rId8"/>
-    <p:sldId id="268" r:id="rId9"/>
-    <p:sldId id="264" r:id="rId10"/>
+    <p:sldId id="270" r:id="rId8"/>
+    <p:sldId id="264" r:id="rId9"/>
+    <p:sldId id="268" r:id="rId10"/>
     <p:sldId id="258" r:id="rId11"/>
-    <p:sldId id="265" r:id="rId12"/>
-    <p:sldId id="266" r:id="rId13"/>
+    <p:sldId id="272" r:id="rId12"/>
+    <p:sldId id="276" r:id="rId13"/>
+    <p:sldId id="277" r:id="rId14"/>
+    <p:sldId id="278" r:id="rId15"/>
+    <p:sldId id="265" r:id="rId16"/>
+    <p:sldId id="280" r:id="rId17"/>
+    <p:sldId id="281" r:id="rId18"/>
+    <p:sldId id="282" r:id="rId19"/>
+    <p:sldId id="283" r:id="rId20"/>
+    <p:sldId id="284" r:id="rId21"/>
+    <p:sldId id="271" r:id="rId22"/>
+    <p:sldId id="266" r:id="rId23"/>
   </p:sldIdLst>
   <p:sldSz cx="12192000" cy="6858000"/>
   <p:notesSz cx="6858000" cy="9144000"/>
@@ -223,7 +233,7 @@
           <a:p>
             <a:fld id="{6D9AA7BE-4F4F-48CF-AC0B-DE9054C97257}" type="datetimeFigureOut">
               <a:rPr lang="hu-HU" smtClean="0"/>
-              <a:t>2020. 11. 29.</a:t>
+              <a:t>2020. 12. 02.</a:t>
             </a:fld>
             <a:endParaRPr lang="hu-HU"/>
           </a:p>
@@ -401,7 +411,7 @@
           <a:p>
             <a:fld id="{D05D68E6-9015-4EC2-8B38-EBE32BEAAE7D}" type="datetimeFigureOut">
               <a:rPr lang="hu-HU" smtClean="0"/>
-              <a:t>2020. 11. 29.</a:t>
+              <a:t>2020. 12. 02.</a:t>
             </a:fld>
             <a:endParaRPr lang="hu-HU"/>
           </a:p>
@@ -1001,7 +1011,7 @@
             <a:fld id="{B61BEF0D-F0BB-DE4B-95CE-6DB70DBA9567}" type="datetimeFigureOut">
               <a:rPr lang="en-US" dirty="0"/>
               <a:pPr/>
-              <a:t>11/29/2020</a:t>
+              <a:t>12/2/2020</a:t>
             </a:fld>
             <a:endParaRPr lang="en-US" dirty="0"/>
           </a:p>
@@ -1322,7 +1332,7 @@
             <a:fld id="{B61BEF0D-F0BB-DE4B-95CE-6DB70DBA9567}" type="datetimeFigureOut">
               <a:rPr lang="en-US" dirty="0"/>
               <a:pPr/>
-              <a:t>11/29/2020</a:t>
+              <a:t>12/2/2020</a:t>
             </a:fld>
             <a:endParaRPr lang="en-US" dirty="0"/>
           </a:p>
@@ -1567,7 +1577,7 @@
             <a:fld id="{B61BEF0D-F0BB-DE4B-95CE-6DB70DBA9567}" type="datetimeFigureOut">
               <a:rPr lang="en-US" dirty="0"/>
               <a:pPr/>
-              <a:t>11/29/2020</a:t>
+              <a:t>12/2/2020</a:t>
             </a:fld>
             <a:endParaRPr lang="en-US" dirty="0"/>
           </a:p>
@@ -1903,7 +1913,7 @@
             <a:fld id="{B61BEF0D-F0BB-DE4B-95CE-6DB70DBA9567}" type="datetimeFigureOut">
               <a:rPr lang="en-US" dirty="0"/>
               <a:pPr/>
-              <a:t>11/29/2020</a:t>
+              <a:t>12/2/2020</a:t>
             </a:fld>
             <a:endParaRPr lang="en-US" dirty="0"/>
           </a:p>
@@ -2247,7 +2257,7 @@
             <a:fld id="{B61BEF0D-F0BB-DE4B-95CE-6DB70DBA9567}" type="datetimeFigureOut">
               <a:rPr lang="en-US" dirty="0"/>
               <a:pPr/>
-              <a:t>11/29/2020</a:t>
+              <a:t>12/2/2020</a:t>
             </a:fld>
             <a:endParaRPr lang="en-US" dirty="0"/>
           </a:p>
@@ -2618,7 +2628,7 @@
             <a:fld id="{B61BEF0D-F0BB-DE4B-95CE-6DB70DBA9567}" type="datetimeFigureOut">
               <a:rPr lang="en-US" dirty="0"/>
               <a:pPr/>
-              <a:t>11/29/2020</a:t>
+              <a:t>12/2/2020</a:t>
             </a:fld>
             <a:endParaRPr lang="en-US" dirty="0"/>
           </a:p>
@@ -3085,7 +3095,7 @@
             <a:fld id="{B61BEF0D-F0BB-DE4B-95CE-6DB70DBA9567}" type="datetimeFigureOut">
               <a:rPr lang="en-US" dirty="0"/>
               <a:pPr/>
-              <a:t>11/29/2020</a:t>
+              <a:t>12/2/2020</a:t>
             </a:fld>
             <a:endParaRPr lang="en-US" dirty="0"/>
           </a:p>
@@ -3287,7 +3297,7 @@
             <a:fld id="{B61BEF0D-F0BB-DE4B-95CE-6DB70DBA9567}" type="datetimeFigureOut">
               <a:rPr lang="en-US" dirty="0"/>
               <a:pPr/>
-              <a:t>11/29/2020</a:t>
+              <a:t>12/2/2020</a:t>
             </a:fld>
             <a:endParaRPr lang="en-US" dirty="0"/>
           </a:p>
@@ -3495,7 +3505,7 @@
             <a:fld id="{B61BEF0D-F0BB-DE4B-95CE-6DB70DBA9567}" type="datetimeFigureOut">
               <a:rPr lang="en-US" dirty="0"/>
               <a:pPr/>
-              <a:t>11/29/2020</a:t>
+              <a:t>12/2/2020</a:t>
             </a:fld>
             <a:endParaRPr lang="en-US" dirty="0"/>
           </a:p>
@@ -3723,7 +3733,7 @@
           <a:p>
             <a:fld id="{52647F38-B617-4D2F-AE0A-013F0C4D2C57}" type="datetimeFigureOut">
               <a:rPr lang="en-US" dirty="0"/>
-              <a:t>11/29/2020</a:t>
+              <a:t>12/2/2020</a:t>
             </a:fld>
             <a:endParaRPr lang="en-US" dirty="0"/>
           </a:p>
@@ -3967,7 +3977,7 @@
             <a:fld id="{B61BEF0D-F0BB-DE4B-95CE-6DB70DBA9567}" type="datetimeFigureOut">
               <a:rPr lang="en-US" dirty="0"/>
               <a:pPr/>
-              <a:t>11/29/2020</a:t>
+              <a:t>12/2/2020</a:t>
             </a:fld>
             <a:endParaRPr lang="en-US" dirty="0"/>
           </a:p>
@@ -4261,7 +4271,7 @@
           <a:p>
             <a:fld id="{05BFA754-D5C3-4E66-96A6-867B257F58DC}" type="datetimeFigureOut">
               <a:rPr lang="en-US" dirty="0"/>
-              <a:t>11/29/2020</a:t>
+              <a:t>12/2/2020</a:t>
             </a:fld>
             <a:endParaRPr lang="en-US" dirty="0"/>
           </a:p>
@@ -4651,7 +4661,7 @@
             <a:fld id="{B61BEF0D-F0BB-DE4B-95CE-6DB70DBA9567}" type="datetimeFigureOut">
               <a:rPr lang="en-US" dirty="0"/>
               <a:pPr/>
-              <a:t>11/29/2020</a:t>
+              <a:t>12/2/2020</a:t>
             </a:fld>
             <a:endParaRPr lang="en-US" dirty="0"/>
           </a:p>
@@ -4797,7 +4807,7 @@
             <a:fld id="{B61BEF0D-F0BB-DE4B-95CE-6DB70DBA9567}" type="datetimeFigureOut">
               <a:rPr lang="en-US" dirty="0"/>
               <a:pPr/>
-              <a:t>11/29/2020</a:t>
+              <a:t>12/2/2020</a:t>
             </a:fld>
             <a:endParaRPr lang="en-US" dirty="0"/>
           </a:p>
@@ -4920,7 +4930,7 @@
             <a:fld id="{B61BEF0D-F0BB-DE4B-95CE-6DB70DBA9567}" type="datetimeFigureOut">
               <a:rPr lang="en-US" dirty="0"/>
               <a:pPr/>
-              <a:t>11/29/2020</a:t>
+              <a:t>12/2/2020</a:t>
             </a:fld>
             <a:endParaRPr lang="en-US" dirty="0"/>
           </a:p>
@@ -5172,7 +5182,7 @@
             <a:fld id="{B61BEF0D-F0BB-DE4B-95CE-6DB70DBA9567}" type="datetimeFigureOut">
               <a:rPr lang="en-US" dirty="0"/>
               <a:pPr/>
-              <a:t>11/29/2020</a:t>
+              <a:t>12/2/2020</a:t>
             </a:fld>
             <a:endParaRPr lang="en-US" dirty="0"/>
           </a:p>
@@ -5484,7 +5494,7 @@
             <a:fld id="{B61BEF0D-F0BB-DE4B-95CE-6DB70DBA9567}" type="datetimeFigureOut">
               <a:rPr lang="en-US" dirty="0"/>
               <a:pPr/>
-              <a:t>11/29/2020</a:t>
+              <a:t>12/2/2020</a:t>
             </a:fld>
             <a:endParaRPr lang="en-US" dirty="0"/>
           </a:p>
@@ -5832,7 +5842,7 @@
             <a:fld id="{B61BEF0D-F0BB-DE4B-95CE-6DB70DBA9567}" type="datetimeFigureOut">
               <a:rPr lang="en-US" dirty="0"/>
               <a:pPr/>
-              <a:t>11/29/2020</a:t>
+              <a:t>12/2/2020</a:t>
             </a:fld>
             <a:endParaRPr lang="en-US" dirty="0"/>
           </a:p>
@@ -6645,7 +6655,7 @@
           <p:cNvPr id="2" name="Cím 1">
             <a:extLst>
               <a:ext uri="{FF2B5EF4-FFF2-40B4-BE49-F238E27FC236}">
-                <a16:creationId xmlns:a16="http://schemas.microsoft.com/office/drawing/2014/main" id="{92073109-06DE-4350-8E95-69AADD23EFE7}"/>
+                <a16:creationId xmlns:a16="http://schemas.microsoft.com/office/drawing/2014/main" id="{00E67647-ADE4-4234-8A61-D2468AF76AD7}"/>
               </a:ext>
             </a:extLst>
           </p:cNvPr>
@@ -6653,264 +6663,61 @@
             <a:spLocks noGrp="1"/>
           </p:cNvSpPr>
           <p:nvPr>
-            <p:ph type="title"/>
-          </p:nvPr>
-        </p:nvSpPr>
-        <p:spPr/>
-        <p:txBody>
-          <a:bodyPr/>
+            <p:ph type="title" idx="4294967295"/>
+          </p:nvPr>
+        </p:nvSpPr>
+        <p:spPr>
+          <a:xfrm>
+            <a:off x="1568206" y="805382"/>
+            <a:ext cx="8240713" cy="463581"/>
+          </a:xfrm>
+        </p:spPr>
+        <p:txBody>
+          <a:bodyPr>
+            <a:normAutofit fontScale="90000"/>
+          </a:bodyPr>
           <a:lstStyle/>
           <a:p>
             <a:r>
               <a:rPr lang="hu-HU" dirty="0"/>
-              <a:t>Osztályok</a:t>
-            </a:r>
-          </a:p>
-        </p:txBody>
-      </p:sp>
-      <p:sp>
-        <p:nvSpPr>
-          <p:cNvPr id="3" name="Tartalom helye 2">
+              <a:t>CFG1</a:t>
+            </a:r>
+          </a:p>
+        </p:txBody>
+      </p:sp>
+      <p:pic>
+        <p:nvPicPr>
+          <p:cNvPr id="8" name="Tartalom helye 7" descr="A képen szöveg látható&#10;&#10;Automatikusan generált leírás">
             <a:extLst>
               <a:ext uri="{FF2B5EF4-FFF2-40B4-BE49-F238E27FC236}">
-                <a16:creationId xmlns:a16="http://schemas.microsoft.com/office/drawing/2014/main" id="{3339150D-28DF-416D-9CD9-EB43C3474292}"/>
+                <a16:creationId xmlns:a16="http://schemas.microsoft.com/office/drawing/2014/main" id="{85D75014-2782-43F3-87D4-4C40F495FE22}"/>
               </a:ext>
             </a:extLst>
           </p:cNvPr>
-          <p:cNvSpPr>
-            <a:spLocks noGrp="1"/>
-          </p:cNvSpPr>
-          <p:nvPr>
-            <p:ph idx="1"/>
-          </p:nvPr>
-        </p:nvSpPr>
-        <p:spPr/>
-        <p:txBody>
-          <a:bodyPr>
-            <a:normAutofit/>
-          </a:bodyPr>
-          <a:lstStyle/>
-          <a:p>
-            <a:endParaRPr lang="hu-HU" sz="2000" dirty="0">
-              <a:solidFill>
-                <a:schemeClr val="tx1"/>
-              </a:solidFill>
-              <a:latin typeface="Consolas" panose="020B0609020204030204" pitchFamily="49" charset="0"/>
-            </a:endParaRPr>
-          </a:p>
-          <a:p>
-            <a:r>
-              <a:rPr lang="en-US" sz="2000" u="sng" dirty="0">
-                <a:solidFill>
-                  <a:schemeClr val="tx1"/>
-                </a:solidFill>
-                <a:latin typeface="Consolas" panose="020B0609020204030204" pitchFamily="49" charset="0"/>
-              </a:rPr>
-              <a:t>Variable</a:t>
-            </a:r>
-            <a:r>
-              <a:rPr lang="hu-HU" sz="2000" u="sng" dirty="0">
-                <a:solidFill>
-                  <a:schemeClr val="tx1"/>
-                </a:solidFill>
-                <a:latin typeface="Consolas" panose="020B0609020204030204" pitchFamily="49" charset="0"/>
-              </a:rPr>
-              <a:t>:</a:t>
-            </a:r>
-            <a:r>
-              <a:rPr lang="hu-HU" sz="2000" dirty="0">
-                <a:solidFill>
-                  <a:schemeClr val="tx1"/>
-                </a:solidFill>
-                <a:latin typeface="Consolas" panose="020B0609020204030204" pitchFamily="49" charset="0"/>
-              </a:rPr>
-              <a:t> </a:t>
-            </a:r>
-            <a:r>
-              <a:rPr lang="hu-HU" sz="2000" dirty="0"/>
-              <a:t>Egy változót reprezentál</a:t>
-            </a:r>
-            <a:r>
-              <a:rPr lang="hu-HU" sz="2000"/>
-              <a:t>, tartozhat </a:t>
-            </a:r>
-            <a:r>
-              <a:rPr lang="hu-HU" sz="2000" dirty="0"/>
-              <a:t>hozzá kulcsszavas megszorítás( </a:t>
-            </a:r>
-            <a:r>
-              <a:rPr lang="hu-HU" sz="2000" dirty="0" err="1"/>
-              <a:t>binary</a:t>
-            </a:r>
-            <a:r>
-              <a:rPr lang="hu-HU" sz="2000" dirty="0"/>
-              <a:t>, integer) valamint alsó és felső korlát (pl. x&gt;=0).</a:t>
-            </a:r>
-            <a:endParaRPr lang="en-US" sz="2000" dirty="0">
-              <a:solidFill>
-                <a:schemeClr val="tx1"/>
-              </a:solidFill>
-              <a:latin typeface="Consolas" panose="020B0609020204030204" pitchFamily="49" charset="0"/>
-            </a:endParaRPr>
-          </a:p>
-          <a:p>
-            <a:r>
-              <a:rPr lang="en-US" sz="2000" u="sng" dirty="0">
-                <a:solidFill>
-                  <a:schemeClr val="tx1"/>
-                </a:solidFill>
-                <a:latin typeface="Consolas" panose="020B0609020204030204" pitchFamily="49" charset="0"/>
-              </a:rPr>
-              <a:t>Constraint</a:t>
-            </a:r>
-            <a:r>
-              <a:rPr lang="hu-HU" sz="2000" u="sng" dirty="0">
-                <a:solidFill>
-                  <a:schemeClr val="tx1"/>
-                </a:solidFill>
-                <a:latin typeface="Consolas" panose="020B0609020204030204" pitchFamily="49" charset="0"/>
-              </a:rPr>
-              <a:t>:</a:t>
-            </a:r>
-            <a:r>
-              <a:rPr lang="hu-HU" sz="2000" dirty="0">
-                <a:solidFill>
-                  <a:schemeClr val="tx1"/>
-                </a:solidFill>
-                <a:latin typeface="Consolas" panose="020B0609020204030204" pitchFamily="49" charset="0"/>
-              </a:rPr>
-              <a:t> </a:t>
-            </a:r>
-            <a:r>
-              <a:rPr lang="hu-HU" sz="2000" dirty="0"/>
-              <a:t>Egyszerű megszorítások reprezentációját megvalósító osztály.</a:t>
-            </a:r>
-            <a:endParaRPr lang="en-US" sz="2000" dirty="0">
-              <a:solidFill>
-                <a:schemeClr val="tx1"/>
-              </a:solidFill>
-              <a:latin typeface="Consolas" panose="020B0609020204030204" pitchFamily="49" charset="0"/>
-            </a:endParaRPr>
-          </a:p>
-          <a:p>
-            <a:r>
-              <a:rPr lang="en-US" sz="2000" u="sng" dirty="0">
-                <a:solidFill>
-                  <a:schemeClr val="tx1"/>
-                </a:solidFill>
-                <a:latin typeface="Consolas" panose="020B0609020204030204" pitchFamily="49" charset="0"/>
-              </a:rPr>
-              <a:t>Objective</a:t>
-            </a:r>
-            <a:r>
-              <a:rPr lang="hu-HU" sz="2000" u="sng" dirty="0">
-                <a:solidFill>
-                  <a:schemeClr val="tx1"/>
-                </a:solidFill>
-                <a:latin typeface="Consolas" panose="020B0609020204030204" pitchFamily="49" charset="0"/>
-              </a:rPr>
-              <a:t>:</a:t>
-            </a:r>
-            <a:r>
-              <a:rPr lang="hu-HU" sz="2000" dirty="0">
-                <a:solidFill>
-                  <a:schemeClr val="tx1"/>
-                </a:solidFill>
-                <a:latin typeface="Consolas" panose="020B0609020204030204" pitchFamily="49" charset="0"/>
-              </a:rPr>
-              <a:t> </a:t>
-            </a:r>
-            <a:r>
-              <a:rPr lang="hu-HU" sz="2000" dirty="0"/>
-              <a:t>A célfüggvényt reprezentáló osztály.</a:t>
-            </a:r>
-            <a:endParaRPr lang="en-US" sz="2000" dirty="0">
-              <a:solidFill>
-                <a:schemeClr val="tx1"/>
-              </a:solidFill>
-              <a:latin typeface="Consolas" panose="020B0609020204030204" pitchFamily="49" charset="0"/>
-            </a:endParaRPr>
-          </a:p>
-          <a:p>
-            <a:r>
-              <a:rPr lang="hu-HU" sz="2000" u="sng" dirty="0" err="1">
-                <a:solidFill>
-                  <a:schemeClr val="tx1"/>
-                </a:solidFill>
-                <a:latin typeface="Consolas" panose="020B0609020204030204" pitchFamily="49" charset="0"/>
-              </a:rPr>
-              <a:t>LatexOutput</a:t>
-            </a:r>
-            <a:r>
-              <a:rPr lang="hu-HU" sz="2000" u="sng" dirty="0">
-                <a:solidFill>
-                  <a:schemeClr val="tx1"/>
-                </a:solidFill>
-                <a:latin typeface="Consolas" panose="020B0609020204030204" pitchFamily="49" charset="0"/>
-              </a:rPr>
-              <a:t>, </a:t>
-            </a:r>
-            <a:r>
-              <a:rPr lang="hu-HU" sz="2000" u="sng" dirty="0" err="1">
-                <a:solidFill>
-                  <a:schemeClr val="tx1"/>
-                </a:solidFill>
-                <a:latin typeface="Consolas" panose="020B0609020204030204" pitchFamily="49" charset="0"/>
-              </a:rPr>
-              <a:t>HtmlOutput</a:t>
-            </a:r>
-            <a:r>
-              <a:rPr lang="hu-HU" sz="2000" u="sng" dirty="0">
-                <a:solidFill>
-                  <a:schemeClr val="tx1"/>
-                </a:solidFill>
-                <a:latin typeface="Consolas" panose="020B0609020204030204" pitchFamily="49" charset="0"/>
-              </a:rPr>
-              <a:t>:</a:t>
-            </a:r>
-            <a:r>
-              <a:rPr lang="hu-HU" sz="2000" dirty="0">
-                <a:solidFill>
-                  <a:schemeClr val="tx1"/>
-                </a:solidFill>
-                <a:latin typeface="Consolas" panose="020B0609020204030204" pitchFamily="49" charset="0"/>
-              </a:rPr>
-              <a:t> </a:t>
-            </a:r>
-            <a:r>
-              <a:rPr lang="hu-HU" sz="2000" dirty="0"/>
-              <a:t>A Latex és </a:t>
-            </a:r>
-            <a:r>
-              <a:rPr lang="hu-HU" sz="2000" dirty="0" err="1"/>
-              <a:t>Html</a:t>
-            </a:r>
-            <a:r>
-              <a:rPr lang="hu-HU" sz="2000" dirty="0"/>
-              <a:t> output fájlok létrehozása.</a:t>
-            </a:r>
-            <a:br>
-              <a:rPr lang="hu-HU" sz="2000" dirty="0"/>
-            </a:br>
-            <a:r>
-              <a:rPr lang="hu-HU" sz="2000" dirty="0"/>
-              <a:t>A </a:t>
-            </a:r>
-            <a:r>
-              <a:rPr lang="hu-HU" sz="2000" dirty="0" err="1"/>
-              <a:t>json-ból</a:t>
-            </a:r>
-            <a:r>
-              <a:rPr lang="hu-HU" sz="2000" dirty="0"/>
-              <a:t> kiolvasott adatokkal (változók, megszorítások stb.) egy sablon alapján feltöltik a kimeneti fájlokat.</a:t>
-            </a:r>
-          </a:p>
-        </p:txBody>
-      </p:sp>
+          <p:cNvPicPr>
+            <a:picLocks noGrp="1" noChangeAspect="1"/>
+          </p:cNvPicPr>
+          <p:nvPr>
+            <p:ph idx="4294967295"/>
+          </p:nvPr>
+        </p:nvPicPr>
+        <p:blipFill>
+          <a:blip r:embed="rId2"/>
+          <a:stretch>
+            <a:fillRect/>
+          </a:stretch>
+        </p:blipFill>
+        <p:spPr>
+          <a:xfrm>
+            <a:off x="3143554" y="1268963"/>
+            <a:ext cx="5904892" cy="4783655"/>
+          </a:xfrm>
+        </p:spPr>
+      </p:pic>
     </p:spTree>
     <p:extLst>
       <p:ext uri="{BB962C8B-B14F-4D97-AF65-F5344CB8AC3E}">
-        <p14:creationId xmlns:p14="http://schemas.microsoft.com/office/powerpoint/2010/main" val="1615559907"/>
+        <p14:creationId xmlns:p14="http://schemas.microsoft.com/office/powerpoint/2010/main" val="2597526954"/>
       </p:ext>
     </p:extLst>
   </p:cSld>
@@ -6942,7 +6749,7 @@
           <p:cNvPr id="2" name="Cím 1">
             <a:extLst>
               <a:ext uri="{FF2B5EF4-FFF2-40B4-BE49-F238E27FC236}">
-                <a16:creationId xmlns:a16="http://schemas.microsoft.com/office/drawing/2014/main" id="{51BC2968-84F9-4C60-9C13-7D784D6DE290}"/>
+                <a16:creationId xmlns:a16="http://schemas.microsoft.com/office/drawing/2014/main" id="{00E67647-ADE4-4234-8A61-D2468AF76AD7}"/>
               </a:ext>
             </a:extLst>
           </p:cNvPr>
@@ -6950,25 +6757,946 @@
             <a:spLocks noGrp="1"/>
           </p:cNvSpPr>
           <p:nvPr>
-            <p:ph type="title"/>
-          </p:nvPr>
-        </p:nvSpPr>
-        <p:spPr/>
-        <p:txBody>
-          <a:bodyPr/>
+            <p:ph type="title" idx="4294967295"/>
+          </p:nvPr>
+        </p:nvSpPr>
+        <p:spPr>
+          <a:xfrm>
+            <a:off x="1568206" y="805382"/>
+            <a:ext cx="8240713" cy="463581"/>
+          </a:xfrm>
+        </p:spPr>
+        <p:txBody>
+          <a:bodyPr>
+            <a:normAutofit fontScale="90000"/>
+          </a:bodyPr>
           <a:lstStyle/>
           <a:p>
             <a:r>
               <a:rPr lang="hu-HU" dirty="0"/>
-              <a:t>Köszönjük a figyelmet!</a:t>
-            </a:r>
-          </a:p>
-        </p:txBody>
-      </p:sp>
+              <a:t>CFG2</a:t>
+            </a:r>
+          </a:p>
+        </p:txBody>
+      </p:sp>
+      <p:pic>
+        <p:nvPicPr>
+          <p:cNvPr id="4" name="Kép 3" descr="A képen szöveg látható&#10;&#10;Automatikusan generált leírás">
+            <a:extLst>
+              <a:ext uri="{FF2B5EF4-FFF2-40B4-BE49-F238E27FC236}">
+                <a16:creationId xmlns:a16="http://schemas.microsoft.com/office/drawing/2014/main" id="{2D0D18BF-8241-4C73-A8E7-E281DD70EDEB}"/>
+              </a:ext>
+            </a:extLst>
+          </p:cNvPr>
+          <p:cNvPicPr>
+            <a:picLocks noChangeAspect="1"/>
+          </p:cNvPicPr>
+          <p:nvPr/>
+        </p:nvPicPr>
+        <p:blipFill>
+          <a:blip r:embed="rId2"/>
+          <a:stretch>
+            <a:fillRect/>
+          </a:stretch>
+        </p:blipFill>
+        <p:spPr>
+          <a:xfrm>
+            <a:off x="2012409" y="1679510"/>
+            <a:ext cx="8774924" cy="3433666"/>
+          </a:xfrm>
+          <a:prstGeom prst="rect">
+            <a:avLst/>
+          </a:prstGeom>
+        </p:spPr>
+      </p:pic>
     </p:spTree>
     <p:extLst>
       <p:ext uri="{BB962C8B-B14F-4D97-AF65-F5344CB8AC3E}">
-        <p14:creationId xmlns:p14="http://schemas.microsoft.com/office/powerpoint/2010/main" val="1528653015"/>
+        <p14:creationId xmlns:p14="http://schemas.microsoft.com/office/powerpoint/2010/main" val="2051448154"/>
+      </p:ext>
+    </p:extLst>
+  </p:cSld>
+  <p:clrMapOvr>
+    <a:masterClrMapping/>
+  </p:clrMapOvr>
+</p:sld>
+</file>
+
+<file path=ppt/slides/slide13.xml><?xml version="1.0" encoding="utf-8"?>
+<p:sld xmlns:a="http://schemas.openxmlformats.org/drawingml/2006/main" xmlns:r="http://schemas.openxmlformats.org/officeDocument/2006/relationships" xmlns:p="http://schemas.openxmlformats.org/presentationml/2006/main">
+  <p:cSld>
+    <p:spTree>
+      <p:nvGrpSpPr>
+        <p:cNvPr id="1" name=""/>
+        <p:cNvGrpSpPr/>
+        <p:nvPr/>
+      </p:nvGrpSpPr>
+      <p:grpSpPr>
+        <a:xfrm>
+          <a:off x="0" y="0"/>
+          <a:ext cx="0" cy="0"/>
+          <a:chOff x="0" y="0"/>
+          <a:chExt cx="0" cy="0"/>
+        </a:xfrm>
+      </p:grpSpPr>
+      <p:sp>
+        <p:nvSpPr>
+          <p:cNvPr id="2" name="Cím 1">
+            <a:extLst>
+              <a:ext uri="{FF2B5EF4-FFF2-40B4-BE49-F238E27FC236}">
+                <a16:creationId xmlns:a16="http://schemas.microsoft.com/office/drawing/2014/main" id="{00E67647-ADE4-4234-8A61-D2468AF76AD7}"/>
+              </a:ext>
+            </a:extLst>
+          </p:cNvPr>
+          <p:cNvSpPr>
+            <a:spLocks noGrp="1"/>
+          </p:cNvSpPr>
+          <p:nvPr>
+            <p:ph type="title" idx="4294967295"/>
+          </p:nvPr>
+        </p:nvSpPr>
+        <p:spPr>
+          <a:xfrm>
+            <a:off x="1568206" y="805382"/>
+            <a:ext cx="8240713" cy="463581"/>
+          </a:xfrm>
+        </p:spPr>
+        <p:txBody>
+          <a:bodyPr>
+            <a:normAutofit fontScale="90000"/>
+          </a:bodyPr>
+          <a:lstStyle/>
+          <a:p>
+            <a:r>
+              <a:rPr lang="hu-HU" dirty="0"/>
+              <a:t>CFG3</a:t>
+            </a:r>
+          </a:p>
+        </p:txBody>
+      </p:sp>
+      <p:pic>
+        <p:nvPicPr>
+          <p:cNvPr id="4" name="Kép 3">
+            <a:extLst>
+              <a:ext uri="{FF2B5EF4-FFF2-40B4-BE49-F238E27FC236}">
+                <a16:creationId xmlns:a16="http://schemas.microsoft.com/office/drawing/2014/main" id="{D9E91B1A-EDB9-4C60-9093-80195C08EC4E}"/>
+              </a:ext>
+            </a:extLst>
+          </p:cNvPr>
+          <p:cNvPicPr>
+            <a:picLocks noChangeAspect="1"/>
+          </p:cNvPicPr>
+          <p:nvPr/>
+        </p:nvPicPr>
+        <p:blipFill>
+          <a:blip r:embed="rId2"/>
+          <a:stretch>
+            <a:fillRect/>
+          </a:stretch>
+        </p:blipFill>
+        <p:spPr>
+          <a:xfrm>
+            <a:off x="3081458" y="1268963"/>
+            <a:ext cx="5214207" cy="4895411"/>
+          </a:xfrm>
+          <a:prstGeom prst="rect">
+            <a:avLst/>
+          </a:prstGeom>
+        </p:spPr>
+      </p:pic>
+    </p:spTree>
+    <p:extLst>
+      <p:ext uri="{BB962C8B-B14F-4D97-AF65-F5344CB8AC3E}">
+        <p14:creationId xmlns:p14="http://schemas.microsoft.com/office/powerpoint/2010/main" val="525721395"/>
+      </p:ext>
+    </p:extLst>
+  </p:cSld>
+  <p:clrMapOvr>
+    <a:masterClrMapping/>
+  </p:clrMapOvr>
+</p:sld>
+</file>
+
+<file path=ppt/slides/slide14.xml><?xml version="1.0" encoding="utf-8"?>
+<p:sld xmlns:a="http://schemas.openxmlformats.org/drawingml/2006/main" xmlns:r="http://schemas.openxmlformats.org/officeDocument/2006/relationships" xmlns:p="http://schemas.openxmlformats.org/presentationml/2006/main">
+  <p:cSld>
+    <p:spTree>
+      <p:nvGrpSpPr>
+        <p:cNvPr id="1" name=""/>
+        <p:cNvGrpSpPr/>
+        <p:nvPr/>
+      </p:nvGrpSpPr>
+      <p:grpSpPr>
+        <a:xfrm>
+          <a:off x="0" y="0"/>
+          <a:ext cx="0" cy="0"/>
+          <a:chOff x="0" y="0"/>
+          <a:chExt cx="0" cy="0"/>
+        </a:xfrm>
+      </p:grpSpPr>
+      <p:sp>
+        <p:nvSpPr>
+          <p:cNvPr id="2" name="Cím 1">
+            <a:extLst>
+              <a:ext uri="{FF2B5EF4-FFF2-40B4-BE49-F238E27FC236}">
+                <a16:creationId xmlns:a16="http://schemas.microsoft.com/office/drawing/2014/main" id="{00E67647-ADE4-4234-8A61-D2468AF76AD7}"/>
+              </a:ext>
+            </a:extLst>
+          </p:cNvPr>
+          <p:cNvSpPr>
+            <a:spLocks noGrp="1"/>
+          </p:cNvSpPr>
+          <p:nvPr>
+            <p:ph type="title" idx="4294967295"/>
+          </p:nvPr>
+        </p:nvSpPr>
+        <p:spPr>
+          <a:xfrm>
+            <a:off x="1568206" y="805382"/>
+            <a:ext cx="8240713" cy="463581"/>
+          </a:xfrm>
+        </p:spPr>
+        <p:txBody>
+          <a:bodyPr>
+            <a:normAutofit fontScale="90000"/>
+          </a:bodyPr>
+          <a:lstStyle/>
+          <a:p>
+            <a:r>
+              <a:rPr lang="hu-HU" dirty="0"/>
+              <a:t>CFG4</a:t>
+            </a:r>
+          </a:p>
+        </p:txBody>
+      </p:sp>
+      <p:pic>
+        <p:nvPicPr>
+          <p:cNvPr id="4" name="Kép 3" descr="A képen szöveg látható&#10;&#10;Automatikusan generált leírás">
+            <a:extLst>
+              <a:ext uri="{FF2B5EF4-FFF2-40B4-BE49-F238E27FC236}">
+                <a16:creationId xmlns:a16="http://schemas.microsoft.com/office/drawing/2014/main" id="{4F3841AE-209A-49AC-8B28-59BF3E0AE14D}"/>
+              </a:ext>
+            </a:extLst>
+          </p:cNvPr>
+          <p:cNvPicPr>
+            <a:picLocks noChangeAspect="1"/>
+          </p:cNvPicPr>
+          <p:nvPr/>
+        </p:nvPicPr>
+        <p:blipFill>
+          <a:blip r:embed="rId2"/>
+          <a:stretch>
+            <a:fillRect/>
+          </a:stretch>
+        </p:blipFill>
+        <p:spPr>
+          <a:xfrm>
+            <a:off x="3131073" y="1511702"/>
+            <a:ext cx="5509074" cy="3489506"/>
+          </a:xfrm>
+          <a:prstGeom prst="rect">
+            <a:avLst/>
+          </a:prstGeom>
+        </p:spPr>
+      </p:pic>
+    </p:spTree>
+    <p:extLst>
+      <p:ext uri="{BB962C8B-B14F-4D97-AF65-F5344CB8AC3E}">
+        <p14:creationId xmlns:p14="http://schemas.microsoft.com/office/powerpoint/2010/main" val="3544256169"/>
+      </p:ext>
+    </p:extLst>
+  </p:cSld>
+  <p:clrMapOvr>
+    <a:masterClrMapping/>
+  </p:clrMapOvr>
+</p:sld>
+</file>
+
+<file path=ppt/slides/slide15.xml><?xml version="1.0" encoding="utf-8"?>
+<p:sld xmlns:a="http://schemas.openxmlformats.org/drawingml/2006/main" xmlns:r="http://schemas.openxmlformats.org/officeDocument/2006/relationships" xmlns:p="http://schemas.openxmlformats.org/presentationml/2006/main">
+  <p:cSld>
+    <p:spTree>
+      <p:nvGrpSpPr>
+        <p:cNvPr id="1" name=""/>
+        <p:cNvGrpSpPr/>
+        <p:nvPr/>
+      </p:nvGrpSpPr>
+      <p:grpSpPr>
+        <a:xfrm>
+          <a:off x="0" y="0"/>
+          <a:ext cx="0" cy="0"/>
+          <a:chOff x="0" y="0"/>
+          <a:chExt cx="0" cy="0"/>
+        </a:xfrm>
+      </p:grpSpPr>
+      <p:sp>
+        <p:nvSpPr>
+          <p:cNvPr id="2" name="Cím 1">
+            <a:extLst>
+              <a:ext uri="{FF2B5EF4-FFF2-40B4-BE49-F238E27FC236}">
+                <a16:creationId xmlns:a16="http://schemas.microsoft.com/office/drawing/2014/main" id="{92073109-06DE-4350-8E95-69AADD23EFE7}"/>
+              </a:ext>
+            </a:extLst>
+          </p:cNvPr>
+          <p:cNvSpPr>
+            <a:spLocks noGrp="1"/>
+          </p:cNvSpPr>
+          <p:nvPr>
+            <p:ph type="title"/>
+          </p:nvPr>
+        </p:nvSpPr>
+        <p:spPr/>
+        <p:txBody>
+          <a:bodyPr/>
+          <a:lstStyle/>
+          <a:p>
+            <a:r>
+              <a:rPr lang="hu-HU" dirty="0"/>
+              <a:t>Osztályok</a:t>
+            </a:r>
+          </a:p>
+        </p:txBody>
+      </p:sp>
+      <p:sp>
+        <p:nvSpPr>
+          <p:cNvPr id="3" name="Tartalom helye 2">
+            <a:extLst>
+              <a:ext uri="{FF2B5EF4-FFF2-40B4-BE49-F238E27FC236}">
+                <a16:creationId xmlns:a16="http://schemas.microsoft.com/office/drawing/2014/main" id="{3339150D-28DF-416D-9CD9-EB43C3474292}"/>
+              </a:ext>
+            </a:extLst>
+          </p:cNvPr>
+          <p:cNvSpPr>
+            <a:spLocks noGrp="1"/>
+          </p:cNvSpPr>
+          <p:nvPr>
+            <p:ph idx="1"/>
+          </p:nvPr>
+        </p:nvSpPr>
+        <p:spPr/>
+        <p:txBody>
+          <a:bodyPr>
+            <a:normAutofit/>
+          </a:bodyPr>
+          <a:lstStyle/>
+          <a:p>
+            <a:endParaRPr lang="hu-HU" sz="2000" dirty="0">
+              <a:solidFill>
+                <a:schemeClr val="tx1"/>
+              </a:solidFill>
+              <a:latin typeface="Consolas" panose="020B0609020204030204" pitchFamily="49" charset="0"/>
+            </a:endParaRPr>
+          </a:p>
+          <a:p>
+            <a:r>
+              <a:rPr lang="en-US" sz="2000" u="sng" dirty="0">
+                <a:solidFill>
+                  <a:schemeClr val="tx1"/>
+                </a:solidFill>
+                <a:latin typeface="Consolas" panose="020B0609020204030204" pitchFamily="49" charset="0"/>
+              </a:rPr>
+              <a:t>Variable</a:t>
+            </a:r>
+            <a:r>
+              <a:rPr lang="hu-HU" sz="2000" u="sng" dirty="0">
+                <a:solidFill>
+                  <a:schemeClr val="tx1"/>
+                </a:solidFill>
+                <a:latin typeface="Consolas" panose="020B0609020204030204" pitchFamily="49" charset="0"/>
+              </a:rPr>
+              <a:t>:</a:t>
+            </a:r>
+            <a:r>
+              <a:rPr lang="hu-HU" sz="2000" dirty="0">
+                <a:solidFill>
+                  <a:schemeClr val="tx1"/>
+                </a:solidFill>
+                <a:latin typeface="Consolas" panose="020B0609020204030204" pitchFamily="49" charset="0"/>
+              </a:rPr>
+              <a:t> </a:t>
+            </a:r>
+            <a:r>
+              <a:rPr lang="hu-HU" sz="2000" dirty="0"/>
+              <a:t>Egy változót reprezentál</a:t>
+            </a:r>
+            <a:r>
+              <a:rPr lang="hu-HU" sz="2000"/>
+              <a:t>, tartozhat </a:t>
+            </a:r>
+            <a:r>
+              <a:rPr lang="hu-HU" sz="2000" dirty="0"/>
+              <a:t>hozzá kulcsszavas megszorítás( </a:t>
+            </a:r>
+            <a:r>
+              <a:rPr lang="hu-HU" sz="2000" dirty="0" err="1"/>
+              <a:t>binary</a:t>
+            </a:r>
+            <a:r>
+              <a:rPr lang="hu-HU" sz="2000" dirty="0"/>
+              <a:t>, integer) valamint alsó és felső korlát (pl. x&gt;=0).</a:t>
+            </a:r>
+            <a:endParaRPr lang="en-US" sz="2000" dirty="0">
+              <a:solidFill>
+                <a:schemeClr val="tx1"/>
+              </a:solidFill>
+              <a:latin typeface="Consolas" panose="020B0609020204030204" pitchFamily="49" charset="0"/>
+            </a:endParaRPr>
+          </a:p>
+          <a:p>
+            <a:r>
+              <a:rPr lang="en-US" sz="2000" u="sng" dirty="0">
+                <a:solidFill>
+                  <a:schemeClr val="tx1"/>
+                </a:solidFill>
+                <a:latin typeface="Consolas" panose="020B0609020204030204" pitchFamily="49" charset="0"/>
+              </a:rPr>
+              <a:t>Constraint</a:t>
+            </a:r>
+            <a:r>
+              <a:rPr lang="hu-HU" sz="2000" u="sng" dirty="0">
+                <a:solidFill>
+                  <a:schemeClr val="tx1"/>
+                </a:solidFill>
+                <a:latin typeface="Consolas" panose="020B0609020204030204" pitchFamily="49" charset="0"/>
+              </a:rPr>
+              <a:t>:</a:t>
+            </a:r>
+            <a:r>
+              <a:rPr lang="hu-HU" sz="2000" dirty="0">
+                <a:solidFill>
+                  <a:schemeClr val="tx1"/>
+                </a:solidFill>
+                <a:latin typeface="Consolas" panose="020B0609020204030204" pitchFamily="49" charset="0"/>
+              </a:rPr>
+              <a:t> </a:t>
+            </a:r>
+            <a:r>
+              <a:rPr lang="hu-HU" sz="2000" dirty="0"/>
+              <a:t>Egyszerű megszorítások reprezentációját megvalósító osztály.</a:t>
+            </a:r>
+            <a:endParaRPr lang="en-US" sz="2000" dirty="0">
+              <a:solidFill>
+                <a:schemeClr val="tx1"/>
+              </a:solidFill>
+              <a:latin typeface="Consolas" panose="020B0609020204030204" pitchFamily="49" charset="0"/>
+            </a:endParaRPr>
+          </a:p>
+          <a:p>
+            <a:r>
+              <a:rPr lang="en-US" sz="2000" u="sng" dirty="0">
+                <a:solidFill>
+                  <a:schemeClr val="tx1"/>
+                </a:solidFill>
+                <a:latin typeface="Consolas" panose="020B0609020204030204" pitchFamily="49" charset="0"/>
+              </a:rPr>
+              <a:t>Objective</a:t>
+            </a:r>
+            <a:r>
+              <a:rPr lang="hu-HU" sz="2000" u="sng" dirty="0">
+                <a:solidFill>
+                  <a:schemeClr val="tx1"/>
+                </a:solidFill>
+                <a:latin typeface="Consolas" panose="020B0609020204030204" pitchFamily="49" charset="0"/>
+              </a:rPr>
+              <a:t>:</a:t>
+            </a:r>
+            <a:r>
+              <a:rPr lang="hu-HU" sz="2000" dirty="0">
+                <a:solidFill>
+                  <a:schemeClr val="tx1"/>
+                </a:solidFill>
+                <a:latin typeface="Consolas" panose="020B0609020204030204" pitchFamily="49" charset="0"/>
+              </a:rPr>
+              <a:t> </a:t>
+            </a:r>
+            <a:r>
+              <a:rPr lang="hu-HU" sz="2000" dirty="0"/>
+              <a:t>A célfüggvényt reprezentáló osztály.</a:t>
+            </a:r>
+            <a:endParaRPr lang="en-US" sz="2000" dirty="0">
+              <a:solidFill>
+                <a:schemeClr val="tx1"/>
+              </a:solidFill>
+              <a:latin typeface="Consolas" panose="020B0609020204030204" pitchFamily="49" charset="0"/>
+            </a:endParaRPr>
+          </a:p>
+          <a:p>
+            <a:r>
+              <a:rPr lang="hu-HU" sz="2000" u="sng" dirty="0" err="1">
+                <a:solidFill>
+                  <a:schemeClr val="tx1"/>
+                </a:solidFill>
+                <a:latin typeface="Consolas" panose="020B0609020204030204" pitchFamily="49" charset="0"/>
+              </a:rPr>
+              <a:t>LatexOutput</a:t>
+            </a:r>
+            <a:r>
+              <a:rPr lang="hu-HU" sz="2000" u="sng" dirty="0">
+                <a:solidFill>
+                  <a:schemeClr val="tx1"/>
+                </a:solidFill>
+                <a:latin typeface="Consolas" panose="020B0609020204030204" pitchFamily="49" charset="0"/>
+              </a:rPr>
+              <a:t>, </a:t>
+            </a:r>
+            <a:r>
+              <a:rPr lang="hu-HU" sz="2000" u="sng" dirty="0" err="1">
+                <a:solidFill>
+                  <a:schemeClr val="tx1"/>
+                </a:solidFill>
+                <a:latin typeface="Consolas" panose="020B0609020204030204" pitchFamily="49" charset="0"/>
+              </a:rPr>
+              <a:t>HtmlOutput</a:t>
+            </a:r>
+            <a:r>
+              <a:rPr lang="hu-HU" sz="2000" u="sng" dirty="0">
+                <a:solidFill>
+                  <a:schemeClr val="tx1"/>
+                </a:solidFill>
+                <a:latin typeface="Consolas" panose="020B0609020204030204" pitchFamily="49" charset="0"/>
+              </a:rPr>
+              <a:t>:</a:t>
+            </a:r>
+            <a:r>
+              <a:rPr lang="hu-HU" sz="2000" dirty="0">
+                <a:solidFill>
+                  <a:schemeClr val="tx1"/>
+                </a:solidFill>
+                <a:latin typeface="Consolas" panose="020B0609020204030204" pitchFamily="49" charset="0"/>
+              </a:rPr>
+              <a:t> </a:t>
+            </a:r>
+            <a:r>
+              <a:rPr lang="hu-HU" sz="2000" dirty="0"/>
+              <a:t>A Latex és </a:t>
+            </a:r>
+            <a:r>
+              <a:rPr lang="hu-HU" sz="2000" dirty="0" err="1"/>
+              <a:t>Html</a:t>
+            </a:r>
+            <a:r>
+              <a:rPr lang="hu-HU" sz="2000" dirty="0"/>
+              <a:t> output fájlok létrehozása.</a:t>
+            </a:r>
+            <a:br>
+              <a:rPr lang="hu-HU" sz="2000" dirty="0"/>
+            </a:br>
+            <a:r>
+              <a:rPr lang="hu-HU" sz="2000" dirty="0"/>
+              <a:t>A </a:t>
+            </a:r>
+            <a:r>
+              <a:rPr lang="hu-HU" sz="2000" dirty="0" err="1"/>
+              <a:t>json-ból</a:t>
+            </a:r>
+            <a:r>
+              <a:rPr lang="hu-HU" sz="2000" dirty="0"/>
+              <a:t> kiolvasott adatokkal (változók, megszorítások stb.) egy sablon alapján feltöltik a kimeneti fájlokat.</a:t>
+            </a:r>
+          </a:p>
+        </p:txBody>
+      </p:sp>
+    </p:spTree>
+    <p:extLst>
+      <p:ext uri="{BB962C8B-B14F-4D97-AF65-F5344CB8AC3E}">
+        <p14:creationId xmlns:p14="http://schemas.microsoft.com/office/powerpoint/2010/main" val="1615559907"/>
+      </p:ext>
+    </p:extLst>
+  </p:cSld>
+  <p:clrMapOvr>
+    <a:masterClrMapping/>
+  </p:clrMapOvr>
+</p:sld>
+</file>
+
+<file path=ppt/slides/slide16.xml><?xml version="1.0" encoding="utf-8"?>
+<p:sld xmlns:a="http://schemas.openxmlformats.org/drawingml/2006/main" xmlns:r="http://schemas.openxmlformats.org/officeDocument/2006/relationships" xmlns:p="http://schemas.openxmlformats.org/presentationml/2006/main">
+  <p:cSld>
+    <p:spTree>
+      <p:nvGrpSpPr>
+        <p:cNvPr id="1" name=""/>
+        <p:cNvGrpSpPr/>
+        <p:nvPr/>
+      </p:nvGrpSpPr>
+      <p:grpSpPr>
+        <a:xfrm>
+          <a:off x="0" y="0"/>
+          <a:ext cx="0" cy="0"/>
+          <a:chOff x="0" y="0"/>
+          <a:chExt cx="0" cy="0"/>
+        </a:xfrm>
+      </p:grpSpPr>
+      <p:sp>
+        <p:nvSpPr>
+          <p:cNvPr id="2" name="Cím 1">
+            <a:extLst>
+              <a:ext uri="{FF2B5EF4-FFF2-40B4-BE49-F238E27FC236}">
+                <a16:creationId xmlns:a16="http://schemas.microsoft.com/office/drawing/2014/main" id="{CDE617DF-7575-4133-BC89-7D3D491945D9}"/>
+              </a:ext>
+            </a:extLst>
+          </p:cNvPr>
+          <p:cNvSpPr>
+            <a:spLocks noGrp="1"/>
+          </p:cNvSpPr>
+          <p:nvPr>
+            <p:ph type="title" idx="4294967295"/>
+          </p:nvPr>
+        </p:nvSpPr>
+        <p:spPr>
+          <a:xfrm>
+            <a:off x="643812" y="870695"/>
+            <a:ext cx="9601200" cy="444921"/>
+          </a:xfrm>
+        </p:spPr>
+        <p:txBody>
+          <a:bodyPr>
+            <a:normAutofit fontScale="90000"/>
+          </a:bodyPr>
+          <a:lstStyle/>
+          <a:p>
+            <a:r>
+              <a:rPr lang="hu-HU" dirty="0"/>
+              <a:t>Input</a:t>
+            </a:r>
+          </a:p>
+        </p:txBody>
+      </p:sp>
+      <p:pic>
+        <p:nvPicPr>
+          <p:cNvPr id="4" name="Kép 3" descr="A képen szöveg látható&#10;&#10;Automatikusan generált leírás">
+            <a:extLst>
+              <a:ext uri="{FF2B5EF4-FFF2-40B4-BE49-F238E27FC236}">
+                <a16:creationId xmlns:a16="http://schemas.microsoft.com/office/drawing/2014/main" id="{D8D575E4-8173-4F21-B9EB-76E61684D658}"/>
+              </a:ext>
+            </a:extLst>
+          </p:cNvPr>
+          <p:cNvPicPr>
+            <a:picLocks noChangeAspect="1"/>
+          </p:cNvPicPr>
+          <p:nvPr/>
+        </p:nvPicPr>
+        <p:blipFill>
+          <a:blip r:embed="rId2"/>
+          <a:stretch>
+            <a:fillRect/>
+          </a:stretch>
+        </p:blipFill>
+        <p:spPr>
+          <a:xfrm>
+            <a:off x="1641724" y="1399667"/>
+            <a:ext cx="8908552" cy="4587638"/>
+          </a:xfrm>
+          <a:prstGeom prst="rect">
+            <a:avLst/>
+          </a:prstGeom>
+        </p:spPr>
+      </p:pic>
+    </p:spTree>
+    <p:extLst>
+      <p:ext uri="{BB962C8B-B14F-4D97-AF65-F5344CB8AC3E}">
+        <p14:creationId xmlns:p14="http://schemas.microsoft.com/office/powerpoint/2010/main" val="3110036141"/>
+      </p:ext>
+    </p:extLst>
+  </p:cSld>
+  <p:clrMapOvr>
+    <a:masterClrMapping/>
+  </p:clrMapOvr>
+</p:sld>
+</file>
+
+<file path=ppt/slides/slide17.xml><?xml version="1.0" encoding="utf-8"?>
+<p:sld xmlns:a="http://schemas.openxmlformats.org/drawingml/2006/main" xmlns:r="http://schemas.openxmlformats.org/officeDocument/2006/relationships" xmlns:p="http://schemas.openxmlformats.org/presentationml/2006/main">
+  <p:cSld>
+    <p:spTree>
+      <p:nvGrpSpPr>
+        <p:cNvPr id="1" name=""/>
+        <p:cNvGrpSpPr/>
+        <p:nvPr/>
+      </p:nvGrpSpPr>
+      <p:grpSpPr>
+        <a:xfrm>
+          <a:off x="0" y="0"/>
+          <a:ext cx="0" cy="0"/>
+          <a:chOff x="0" y="0"/>
+          <a:chExt cx="0" cy="0"/>
+        </a:xfrm>
+      </p:grpSpPr>
+      <p:sp>
+        <p:nvSpPr>
+          <p:cNvPr id="2" name="Cím 1">
+            <a:extLst>
+              <a:ext uri="{FF2B5EF4-FFF2-40B4-BE49-F238E27FC236}">
+                <a16:creationId xmlns:a16="http://schemas.microsoft.com/office/drawing/2014/main" id="{BC5A271A-D080-4B80-BCA7-8E3DF26C206A}"/>
+              </a:ext>
+            </a:extLst>
+          </p:cNvPr>
+          <p:cNvSpPr>
+            <a:spLocks noGrp="1"/>
+          </p:cNvSpPr>
+          <p:nvPr>
+            <p:ph type="title" idx="4294967295"/>
+          </p:nvPr>
+        </p:nvSpPr>
+        <p:spPr>
+          <a:xfrm>
+            <a:off x="1558212" y="917348"/>
+            <a:ext cx="8416212" cy="631533"/>
+          </a:xfrm>
+        </p:spPr>
+        <p:txBody>
+          <a:bodyPr>
+            <a:normAutofit fontScale="90000"/>
+          </a:bodyPr>
+          <a:lstStyle/>
+          <a:p>
+            <a:r>
+              <a:rPr lang="hu-HU" dirty="0" err="1"/>
+              <a:t>LaTeX</a:t>
+            </a:r>
+            <a:r>
+              <a:rPr lang="hu-HU" dirty="0"/>
+              <a:t> output kód</a:t>
+            </a:r>
+          </a:p>
+        </p:txBody>
+      </p:sp>
+      <p:pic>
+        <p:nvPicPr>
+          <p:cNvPr id="4" name="Kép 3" descr="A képen szöveg látható&#10;&#10;Automatikusan generált leírás">
+            <a:extLst>
+              <a:ext uri="{FF2B5EF4-FFF2-40B4-BE49-F238E27FC236}">
+                <a16:creationId xmlns:a16="http://schemas.microsoft.com/office/drawing/2014/main" id="{2DAE49AB-9CBC-46A9-A705-E218C39C87D5}"/>
+              </a:ext>
+            </a:extLst>
+          </p:cNvPr>
+          <p:cNvPicPr>
+            <a:picLocks noChangeAspect="1"/>
+          </p:cNvPicPr>
+          <p:nvPr/>
+        </p:nvPicPr>
+        <p:blipFill>
+          <a:blip r:embed="rId2"/>
+          <a:stretch>
+            <a:fillRect/>
+          </a:stretch>
+        </p:blipFill>
+        <p:spPr>
+          <a:xfrm>
+            <a:off x="1558212" y="1548881"/>
+            <a:ext cx="9068586" cy="4526672"/>
+          </a:xfrm>
+          <a:prstGeom prst="rect">
+            <a:avLst/>
+          </a:prstGeom>
+        </p:spPr>
+      </p:pic>
+    </p:spTree>
+    <p:extLst>
+      <p:ext uri="{BB962C8B-B14F-4D97-AF65-F5344CB8AC3E}">
+        <p14:creationId xmlns:p14="http://schemas.microsoft.com/office/powerpoint/2010/main" val="3230756014"/>
+      </p:ext>
+    </p:extLst>
+  </p:cSld>
+  <p:clrMapOvr>
+    <a:masterClrMapping/>
+  </p:clrMapOvr>
+</p:sld>
+</file>
+
+<file path=ppt/slides/slide18.xml><?xml version="1.0" encoding="utf-8"?>
+<p:sld xmlns:a="http://schemas.openxmlformats.org/drawingml/2006/main" xmlns:r="http://schemas.openxmlformats.org/officeDocument/2006/relationships" xmlns:p="http://schemas.openxmlformats.org/presentationml/2006/main">
+  <p:cSld>
+    <p:spTree>
+      <p:nvGrpSpPr>
+        <p:cNvPr id="1" name=""/>
+        <p:cNvGrpSpPr/>
+        <p:nvPr/>
+      </p:nvGrpSpPr>
+      <p:grpSpPr>
+        <a:xfrm>
+          <a:off x="0" y="0"/>
+          <a:ext cx="0" cy="0"/>
+          <a:chOff x="0" y="0"/>
+          <a:chExt cx="0" cy="0"/>
+        </a:xfrm>
+      </p:grpSpPr>
+      <p:sp>
+        <p:nvSpPr>
+          <p:cNvPr id="4" name="Cím 3">
+            <a:extLst>
+              <a:ext uri="{FF2B5EF4-FFF2-40B4-BE49-F238E27FC236}">
+                <a16:creationId xmlns:a16="http://schemas.microsoft.com/office/drawing/2014/main" id="{47272F3A-F775-4C6F-A438-E796D087FB50}"/>
+              </a:ext>
+            </a:extLst>
+          </p:cNvPr>
+          <p:cNvSpPr>
+            <a:spLocks noGrp="1"/>
+          </p:cNvSpPr>
+          <p:nvPr>
+            <p:ph type="title" idx="4294967295"/>
+          </p:nvPr>
+        </p:nvSpPr>
+        <p:spPr>
+          <a:xfrm>
+            <a:off x="1295400" y="908019"/>
+            <a:ext cx="9601200" cy="491574"/>
+          </a:xfrm>
+        </p:spPr>
+        <p:txBody>
+          <a:bodyPr>
+            <a:normAutofit fontScale="90000"/>
+          </a:bodyPr>
+          <a:lstStyle/>
+          <a:p>
+            <a:r>
+              <a:rPr lang="hu-HU" dirty="0"/>
+              <a:t>PDF </a:t>
+            </a:r>
+            <a:r>
+              <a:rPr lang="hu-HU" dirty="0" err="1"/>
+              <a:t>from</a:t>
+            </a:r>
+            <a:r>
+              <a:rPr lang="hu-HU" dirty="0"/>
+              <a:t> </a:t>
+            </a:r>
+            <a:r>
+              <a:rPr lang="hu-HU" dirty="0" err="1"/>
+              <a:t>LaTeX</a:t>
+            </a:r>
+            <a:endParaRPr lang="hu-HU" dirty="0"/>
+          </a:p>
+        </p:txBody>
+      </p:sp>
+      <p:pic>
+        <p:nvPicPr>
+          <p:cNvPr id="6" name="Kép 5" descr="A képen szöveg látható&#10;&#10;Automatikusan generált leírás">
+            <a:extLst>
+              <a:ext uri="{FF2B5EF4-FFF2-40B4-BE49-F238E27FC236}">
+                <a16:creationId xmlns:a16="http://schemas.microsoft.com/office/drawing/2014/main" id="{29B570C1-C6AC-4096-B7BB-3353437FFA8D}"/>
+              </a:ext>
+            </a:extLst>
+          </p:cNvPr>
+          <p:cNvPicPr>
+            <a:picLocks noChangeAspect="1"/>
+          </p:cNvPicPr>
+          <p:nvPr/>
+        </p:nvPicPr>
+        <p:blipFill>
+          <a:blip r:embed="rId2"/>
+          <a:stretch>
+            <a:fillRect/>
+          </a:stretch>
+        </p:blipFill>
+        <p:spPr>
+          <a:xfrm>
+            <a:off x="3052029" y="1510958"/>
+            <a:ext cx="6087942" cy="4619255"/>
+          </a:xfrm>
+          <a:prstGeom prst="rect">
+            <a:avLst/>
+          </a:prstGeom>
+        </p:spPr>
+      </p:pic>
+    </p:spTree>
+    <p:extLst>
+      <p:ext uri="{BB962C8B-B14F-4D97-AF65-F5344CB8AC3E}">
+        <p14:creationId xmlns:p14="http://schemas.microsoft.com/office/powerpoint/2010/main" val="439374136"/>
+      </p:ext>
+    </p:extLst>
+  </p:cSld>
+  <p:clrMapOvr>
+    <a:masterClrMapping/>
+  </p:clrMapOvr>
+</p:sld>
+</file>
+
+<file path=ppt/slides/slide19.xml><?xml version="1.0" encoding="utf-8"?>
+<p:sld xmlns:a="http://schemas.openxmlformats.org/drawingml/2006/main" xmlns:r="http://schemas.openxmlformats.org/officeDocument/2006/relationships" xmlns:p="http://schemas.openxmlformats.org/presentationml/2006/main">
+  <p:cSld>
+    <p:spTree>
+      <p:nvGrpSpPr>
+        <p:cNvPr id="1" name=""/>
+        <p:cNvGrpSpPr/>
+        <p:nvPr/>
+      </p:nvGrpSpPr>
+      <p:grpSpPr>
+        <a:xfrm>
+          <a:off x="0" y="0"/>
+          <a:ext cx="0" cy="0"/>
+          <a:chOff x="0" y="0"/>
+          <a:chExt cx="0" cy="0"/>
+        </a:xfrm>
+      </p:grpSpPr>
+      <p:sp>
+        <p:nvSpPr>
+          <p:cNvPr id="2" name="Cím 1">
+            <a:extLst>
+              <a:ext uri="{FF2B5EF4-FFF2-40B4-BE49-F238E27FC236}">
+                <a16:creationId xmlns:a16="http://schemas.microsoft.com/office/drawing/2014/main" id="{BD59AB11-C888-494C-8C6E-DF6F7A047A21}"/>
+              </a:ext>
+            </a:extLst>
+          </p:cNvPr>
+          <p:cNvSpPr>
+            <a:spLocks noGrp="1"/>
+          </p:cNvSpPr>
+          <p:nvPr>
+            <p:ph type="title" idx="4294967295"/>
+          </p:nvPr>
+        </p:nvSpPr>
+        <p:spPr>
+          <a:xfrm>
+            <a:off x="839755" y="861365"/>
+            <a:ext cx="9601200" cy="631533"/>
+          </a:xfrm>
+        </p:spPr>
+        <p:txBody>
+          <a:bodyPr>
+            <a:normAutofit fontScale="90000"/>
+          </a:bodyPr>
+          <a:lstStyle/>
+          <a:p>
+            <a:r>
+              <a:rPr lang="hu-HU" dirty="0"/>
+              <a:t>HTML output kód</a:t>
+            </a:r>
+          </a:p>
+        </p:txBody>
+      </p:sp>
+      <p:pic>
+        <p:nvPicPr>
+          <p:cNvPr id="4" name="Kép 3" descr="A képen szöveg látható&#10;&#10;Automatikusan generált leírás">
+            <a:extLst>
+              <a:ext uri="{FF2B5EF4-FFF2-40B4-BE49-F238E27FC236}">
+                <a16:creationId xmlns:a16="http://schemas.microsoft.com/office/drawing/2014/main" id="{F6E4A8E1-36AB-4BF9-A046-B34D13C7244D}"/>
+              </a:ext>
+            </a:extLst>
+          </p:cNvPr>
+          <p:cNvPicPr>
+            <a:picLocks noChangeAspect="1"/>
+          </p:cNvPicPr>
+          <p:nvPr/>
+        </p:nvPicPr>
+        <p:blipFill>
+          <a:blip r:embed="rId2"/>
+          <a:stretch>
+            <a:fillRect/>
+          </a:stretch>
+        </p:blipFill>
+        <p:spPr>
+          <a:xfrm>
+            <a:off x="3039200" y="1492898"/>
+            <a:ext cx="5638268" cy="4643956"/>
+          </a:xfrm>
+          <a:prstGeom prst="rect">
+            <a:avLst/>
+          </a:prstGeom>
+        </p:spPr>
+      </p:pic>
+    </p:spTree>
+    <p:extLst>
+      <p:ext uri="{BB962C8B-B14F-4D97-AF65-F5344CB8AC3E}">
+        <p14:creationId xmlns:p14="http://schemas.microsoft.com/office/powerpoint/2010/main" val="1468284641"/>
       </p:ext>
     </p:extLst>
   </p:cSld>
@@ -7297,6 +8025,377 @@
     <p:extLst>
       <p:ext uri="{BB962C8B-B14F-4D97-AF65-F5344CB8AC3E}">
         <p14:creationId xmlns:p14="http://schemas.microsoft.com/office/powerpoint/2010/main" val="1475170371"/>
+      </p:ext>
+    </p:extLst>
+  </p:cSld>
+  <p:clrMapOvr>
+    <a:masterClrMapping/>
+  </p:clrMapOvr>
+</p:sld>
+</file>
+
+<file path=ppt/slides/slide20.xml><?xml version="1.0" encoding="utf-8"?>
+<p:sld xmlns:a="http://schemas.openxmlformats.org/drawingml/2006/main" xmlns:r="http://schemas.openxmlformats.org/officeDocument/2006/relationships" xmlns:p="http://schemas.openxmlformats.org/presentationml/2006/main">
+  <p:cSld>
+    <p:spTree>
+      <p:nvGrpSpPr>
+        <p:cNvPr id="1" name=""/>
+        <p:cNvGrpSpPr/>
+        <p:nvPr/>
+      </p:nvGrpSpPr>
+      <p:grpSpPr>
+        <a:xfrm>
+          <a:off x="0" y="0"/>
+          <a:ext cx="0" cy="0"/>
+          <a:chOff x="0" y="0"/>
+          <a:chExt cx="0" cy="0"/>
+        </a:xfrm>
+      </p:grpSpPr>
+      <p:sp>
+        <p:nvSpPr>
+          <p:cNvPr id="2" name="Cím 1">
+            <a:extLst>
+              <a:ext uri="{FF2B5EF4-FFF2-40B4-BE49-F238E27FC236}">
+                <a16:creationId xmlns:a16="http://schemas.microsoft.com/office/drawing/2014/main" id="{5E542DE7-DBA7-4478-B13E-DA1F5F5A64B1}"/>
+              </a:ext>
+            </a:extLst>
+          </p:cNvPr>
+          <p:cNvSpPr>
+            <a:spLocks noGrp="1"/>
+          </p:cNvSpPr>
+          <p:nvPr>
+            <p:ph type="title" idx="4294967295"/>
+          </p:nvPr>
+        </p:nvSpPr>
+        <p:spPr>
+          <a:xfrm>
+            <a:off x="1063689" y="786721"/>
+            <a:ext cx="9601200" cy="799484"/>
+          </a:xfrm>
+        </p:spPr>
+        <p:txBody>
+          <a:bodyPr/>
+          <a:lstStyle/>
+          <a:p>
+            <a:r>
+              <a:rPr lang="hu-HU" dirty="0"/>
+              <a:t>HTML output</a:t>
+            </a:r>
+          </a:p>
+        </p:txBody>
+      </p:sp>
+      <p:pic>
+        <p:nvPicPr>
+          <p:cNvPr id="4" name="Kép 3" descr="A képen szöveg látható&#10;&#10;Automatikusan generált leírás">
+            <a:extLst>
+              <a:ext uri="{FF2B5EF4-FFF2-40B4-BE49-F238E27FC236}">
+                <a16:creationId xmlns:a16="http://schemas.microsoft.com/office/drawing/2014/main" id="{3AE48596-1727-4FC6-B9FE-26AE5DEB7DFA}"/>
+              </a:ext>
+            </a:extLst>
+          </p:cNvPr>
+          <p:cNvPicPr>
+            <a:picLocks noChangeAspect="1"/>
+          </p:cNvPicPr>
+          <p:nvPr/>
+        </p:nvPicPr>
+        <p:blipFill>
+          <a:blip r:embed="rId2"/>
+          <a:stretch>
+            <a:fillRect/>
+          </a:stretch>
+        </p:blipFill>
+        <p:spPr>
+          <a:xfrm>
+            <a:off x="1494366" y="1586205"/>
+            <a:ext cx="9203268" cy="4348066"/>
+          </a:xfrm>
+          <a:prstGeom prst="rect">
+            <a:avLst/>
+          </a:prstGeom>
+        </p:spPr>
+      </p:pic>
+    </p:spTree>
+    <p:extLst>
+      <p:ext uri="{BB962C8B-B14F-4D97-AF65-F5344CB8AC3E}">
+        <p14:creationId xmlns:p14="http://schemas.microsoft.com/office/powerpoint/2010/main" val="4126241426"/>
+      </p:ext>
+    </p:extLst>
+  </p:cSld>
+  <p:clrMapOvr>
+    <a:masterClrMapping/>
+  </p:clrMapOvr>
+</p:sld>
+</file>
+
+<file path=ppt/slides/slide21.xml><?xml version="1.0" encoding="utf-8"?>
+<p:sld xmlns:a="http://schemas.openxmlformats.org/drawingml/2006/main" xmlns:r="http://schemas.openxmlformats.org/officeDocument/2006/relationships" xmlns:p="http://schemas.openxmlformats.org/presentationml/2006/main">
+  <p:cSld>
+    <p:spTree>
+      <p:nvGrpSpPr>
+        <p:cNvPr id="1" name=""/>
+        <p:cNvGrpSpPr/>
+        <p:nvPr/>
+      </p:nvGrpSpPr>
+      <p:grpSpPr>
+        <a:xfrm>
+          <a:off x="0" y="0"/>
+          <a:ext cx="0" cy="0"/>
+          <a:chOff x="0" y="0"/>
+          <a:chExt cx="0" cy="0"/>
+        </a:xfrm>
+      </p:grpSpPr>
+      <p:sp>
+        <p:nvSpPr>
+          <p:cNvPr id="2" name="Cím 1">
+            <a:extLst>
+              <a:ext uri="{FF2B5EF4-FFF2-40B4-BE49-F238E27FC236}">
+                <a16:creationId xmlns:a16="http://schemas.microsoft.com/office/drawing/2014/main" id="{16E4B525-968E-41CB-9100-3EF323C46605}"/>
+              </a:ext>
+            </a:extLst>
+          </p:cNvPr>
+          <p:cNvSpPr>
+            <a:spLocks noGrp="1"/>
+          </p:cNvSpPr>
+          <p:nvPr>
+            <p:ph type="title"/>
+          </p:nvPr>
+        </p:nvSpPr>
+        <p:spPr/>
+        <p:txBody>
+          <a:bodyPr/>
+          <a:lstStyle/>
+          <a:p>
+            <a:r>
+              <a:rPr lang="hu-HU" dirty="0"/>
+              <a:t>Feladatok felosztása</a:t>
+            </a:r>
+          </a:p>
+        </p:txBody>
+      </p:sp>
+      <p:sp>
+        <p:nvSpPr>
+          <p:cNvPr id="3" name="Tartalom helye 2">
+            <a:extLst>
+              <a:ext uri="{FF2B5EF4-FFF2-40B4-BE49-F238E27FC236}">
+                <a16:creationId xmlns:a16="http://schemas.microsoft.com/office/drawing/2014/main" id="{E2BAC9C2-43E6-4972-8192-3D60BA6ABA9A}"/>
+              </a:ext>
+            </a:extLst>
+          </p:cNvPr>
+          <p:cNvSpPr>
+            <a:spLocks noGrp="1"/>
+          </p:cNvSpPr>
+          <p:nvPr>
+            <p:ph idx="1"/>
+          </p:nvPr>
+        </p:nvSpPr>
+        <p:spPr/>
+        <p:txBody>
+          <a:bodyPr>
+            <a:normAutofit lnSpcReduction="10000"/>
+          </a:bodyPr>
+          <a:lstStyle/>
+          <a:p>
+            <a:r>
+              <a:rPr lang="hu-HU" dirty="0"/>
+              <a:t>CFG, </a:t>
+            </a:r>
+            <a:r>
+              <a:rPr lang="hu-HU" dirty="0" err="1"/>
+              <a:t>Flex-Bison</a:t>
+            </a:r>
+            <a:r>
+              <a:rPr lang="hu-HU" dirty="0"/>
+              <a:t>, .</a:t>
+            </a:r>
+            <a:r>
+              <a:rPr lang="hu-HU" dirty="0" err="1"/>
+              <a:t>mod</a:t>
+            </a:r>
+            <a:r>
+              <a:rPr lang="hu-HU" dirty="0"/>
+              <a:t> </a:t>
+            </a:r>
+            <a:r>
+              <a:rPr lang="hu-HU" dirty="0" err="1"/>
+              <a:t>parsolás</a:t>
+            </a:r>
+            <a:r>
+              <a:rPr lang="hu-HU" dirty="0"/>
+              <a:t>: Lőrincz Erik, Vörös Bence László</a:t>
+            </a:r>
+          </a:p>
+          <a:p>
+            <a:r>
+              <a:rPr lang="hu-HU" dirty="0" err="1"/>
+              <a:t>Json</a:t>
+            </a:r>
+            <a:r>
+              <a:rPr lang="hu-HU" dirty="0"/>
+              <a:t> </a:t>
+            </a:r>
+            <a:r>
+              <a:rPr lang="hu-HU" dirty="0" err="1"/>
+              <a:t>parsolás</a:t>
+            </a:r>
+            <a:r>
+              <a:rPr lang="hu-HU" dirty="0"/>
+              <a:t>: </a:t>
+            </a:r>
+            <a:r>
+              <a:rPr lang="hu-HU" dirty="0" err="1"/>
+              <a:t>Gönczi</a:t>
+            </a:r>
+            <a:r>
+              <a:rPr lang="hu-HU" dirty="0"/>
+              <a:t> Gábor, </a:t>
+            </a:r>
+            <a:r>
+              <a:rPr lang="hu-HU" dirty="0" err="1"/>
+              <a:t>Radvánszky</a:t>
+            </a:r>
+            <a:r>
+              <a:rPr lang="hu-HU" dirty="0"/>
+              <a:t> István</a:t>
+            </a:r>
+          </a:p>
+          <a:p>
+            <a:r>
+              <a:rPr lang="hu-HU" dirty="0" err="1"/>
+              <a:t>texOutput</a:t>
+            </a:r>
+            <a:r>
+              <a:rPr lang="hu-HU" dirty="0"/>
+              <a:t>: Lőrincz Erik</a:t>
+            </a:r>
+          </a:p>
+          <a:p>
+            <a:r>
+              <a:rPr lang="hu-HU" dirty="0" err="1"/>
+              <a:t>htmlOutput</a:t>
+            </a:r>
+            <a:r>
+              <a:rPr lang="hu-HU" dirty="0"/>
+              <a:t>: </a:t>
+            </a:r>
+            <a:r>
+              <a:rPr lang="hu-HU" dirty="0" err="1"/>
+              <a:t>Radvánszky</a:t>
+            </a:r>
+            <a:r>
+              <a:rPr lang="hu-HU" dirty="0"/>
+              <a:t> István, Vörös Bence László</a:t>
+            </a:r>
+          </a:p>
+          <a:p>
+            <a:r>
+              <a:rPr lang="hu-HU" dirty="0" err="1"/>
+              <a:t>workflow</a:t>
+            </a:r>
+            <a:r>
+              <a:rPr lang="hu-HU" dirty="0"/>
+              <a:t>, testing: Vörös Bence László</a:t>
+            </a:r>
+          </a:p>
+          <a:p>
+            <a:r>
+              <a:rPr lang="hu-HU" dirty="0"/>
+              <a:t>Dokumentáció: </a:t>
+            </a:r>
+            <a:r>
+              <a:rPr lang="hu-HU" dirty="0" err="1"/>
+              <a:t>Gönczi</a:t>
+            </a:r>
+            <a:r>
+              <a:rPr lang="hu-HU" dirty="0"/>
+              <a:t> Gábor</a:t>
+            </a:r>
+          </a:p>
+          <a:p>
+            <a:r>
+              <a:rPr lang="hu-HU" dirty="0"/>
+              <a:t>Prezentáció: </a:t>
+            </a:r>
+            <a:r>
+              <a:rPr lang="hu-HU" dirty="0" err="1"/>
+              <a:t>Gönczi</a:t>
+            </a:r>
+            <a:r>
+              <a:rPr lang="hu-HU" dirty="0"/>
+              <a:t> Gábor, </a:t>
+            </a:r>
+            <a:r>
+              <a:rPr lang="hu-HU" dirty="0" err="1"/>
+              <a:t>Radvánszky</a:t>
+            </a:r>
+            <a:r>
+              <a:rPr lang="hu-HU" dirty="0"/>
+              <a:t> István</a:t>
+            </a:r>
+          </a:p>
+        </p:txBody>
+      </p:sp>
+    </p:spTree>
+    <p:extLst>
+      <p:ext uri="{BB962C8B-B14F-4D97-AF65-F5344CB8AC3E}">
+        <p14:creationId xmlns:p14="http://schemas.microsoft.com/office/powerpoint/2010/main" val="1311892647"/>
+      </p:ext>
+    </p:extLst>
+  </p:cSld>
+  <p:clrMapOvr>
+    <a:masterClrMapping/>
+  </p:clrMapOvr>
+</p:sld>
+</file>
+
+<file path=ppt/slides/slide22.xml><?xml version="1.0" encoding="utf-8"?>
+<p:sld xmlns:a="http://schemas.openxmlformats.org/drawingml/2006/main" xmlns:r="http://schemas.openxmlformats.org/officeDocument/2006/relationships" xmlns:p="http://schemas.openxmlformats.org/presentationml/2006/main">
+  <p:cSld>
+    <p:spTree>
+      <p:nvGrpSpPr>
+        <p:cNvPr id="1" name=""/>
+        <p:cNvGrpSpPr/>
+        <p:nvPr/>
+      </p:nvGrpSpPr>
+      <p:grpSpPr>
+        <a:xfrm>
+          <a:off x="0" y="0"/>
+          <a:ext cx="0" cy="0"/>
+          <a:chOff x="0" y="0"/>
+          <a:chExt cx="0" cy="0"/>
+        </a:xfrm>
+      </p:grpSpPr>
+      <p:sp>
+        <p:nvSpPr>
+          <p:cNvPr id="2" name="Cím 1">
+            <a:extLst>
+              <a:ext uri="{FF2B5EF4-FFF2-40B4-BE49-F238E27FC236}">
+                <a16:creationId xmlns:a16="http://schemas.microsoft.com/office/drawing/2014/main" id="{51BC2968-84F9-4C60-9C13-7D784D6DE290}"/>
+              </a:ext>
+            </a:extLst>
+          </p:cNvPr>
+          <p:cNvSpPr>
+            <a:spLocks noGrp="1"/>
+          </p:cNvSpPr>
+          <p:nvPr>
+            <p:ph type="title"/>
+          </p:nvPr>
+        </p:nvSpPr>
+        <p:spPr/>
+        <p:txBody>
+          <a:bodyPr/>
+          <a:lstStyle/>
+          <a:p>
+            <a:r>
+              <a:rPr lang="hu-HU" dirty="0"/>
+              <a:t>Köszönjük a figyelmet!</a:t>
+            </a:r>
+          </a:p>
+        </p:txBody>
+      </p:sp>
+    </p:spTree>
+    <p:extLst>
+      <p:ext uri="{BB962C8B-B14F-4D97-AF65-F5344CB8AC3E}">
+        <p14:creationId xmlns:p14="http://schemas.microsoft.com/office/powerpoint/2010/main" val="1528653015"/>
       </p:ext>
     </p:extLst>
   </p:cSld>
@@ -7883,10 +8982,10 @@
       </p:grpSpPr>
       <p:pic>
         <p:nvPicPr>
-          <p:cNvPr id="2" name="Kép 1">
+          <p:cNvPr id="4" name="Kép 3" descr="A képen szöveg látható&#10;&#10;Automatikusan generált leírás">
             <a:extLst>
               <a:ext uri="{FF2B5EF4-FFF2-40B4-BE49-F238E27FC236}">
-                <a16:creationId xmlns:a16="http://schemas.microsoft.com/office/drawing/2014/main" id="{8DEAFD2D-77D1-4E44-B5F0-6BA6C8AE4F64}"/>
+                <a16:creationId xmlns:a16="http://schemas.microsoft.com/office/drawing/2014/main" id="{28CEB760-CA17-4679-AF33-BC251B673A15}"/>
               </a:ext>
             </a:extLst>
           </p:cNvPr>
@@ -7903,8 +9002,8 @@
         </p:blipFill>
         <p:spPr>
           <a:xfrm>
-            <a:off x="735463" y="1788491"/>
-            <a:ext cx="10721073" cy="3281018"/>
+            <a:off x="1023458" y="869014"/>
+            <a:ext cx="10086998" cy="5227096"/>
           </a:xfrm>
           <a:prstGeom prst="rect">
             <a:avLst/>
@@ -7946,7 +9045,7 @@
           <p:cNvPr id="2" name="Cím 1">
             <a:extLst>
               <a:ext uri="{FF2B5EF4-FFF2-40B4-BE49-F238E27FC236}">
-                <a16:creationId xmlns:a16="http://schemas.microsoft.com/office/drawing/2014/main" id="{651C8017-EF24-4CBE-BB73-BC74AF2CAC5B}"/>
+                <a16:creationId xmlns:a16="http://schemas.microsoft.com/office/drawing/2014/main" id="{0A4E2AA0-240C-4C9D-AF3C-A5743B3CB290}"/>
               </a:ext>
             </a:extLst>
           </p:cNvPr>
@@ -7959,464 +9058,51 @@
         </p:nvSpPr>
         <p:spPr/>
         <p:txBody>
-          <a:bodyPr>
-            <a:normAutofit/>
-          </a:bodyPr>
+          <a:bodyPr/>
           <a:lstStyle/>
           <a:p>
             <a:r>
-              <a:rPr lang="hu-HU" dirty="0"/>
-              <a:t>A program használata</a:t>
-            </a:r>
-            <a:r>
-              <a:rPr lang="hu-HU" baseline="30000" dirty="0"/>
-              <a:t>1</a:t>
-            </a:r>
-            <a:br>
-              <a:rPr lang="hu-HU" dirty="0"/>
-            </a:br>
-            <a:r>
-              <a:rPr lang="hu-HU" sz="2200" i="1" dirty="0"/>
-              <a:t>(futtatás)</a:t>
-            </a:r>
-            <a:endParaRPr lang="hu-HU" sz="2200" dirty="0"/>
-          </a:p>
-        </p:txBody>
-      </p:sp>
-      <p:sp>
-        <p:nvSpPr>
-          <p:cNvPr id="3" name="Tartalom helye 2">
+              <a:rPr lang="hu-HU" dirty="0" err="1"/>
+              <a:t>Makefile</a:t>
+            </a:r>
+            <a:endParaRPr lang="hu-HU" dirty="0"/>
+          </a:p>
+        </p:txBody>
+      </p:sp>
+      <p:pic>
+        <p:nvPicPr>
+          <p:cNvPr id="4" name="Kép 3" descr="A képen szöveg látható&#10;&#10;Automatikusan generált leírás">
             <a:extLst>
               <a:ext uri="{FF2B5EF4-FFF2-40B4-BE49-F238E27FC236}">
-                <a16:creationId xmlns:a16="http://schemas.microsoft.com/office/drawing/2014/main" id="{BA70F166-C9F9-4741-9075-53741977B950}"/>
+                <a16:creationId xmlns:a16="http://schemas.microsoft.com/office/drawing/2014/main" id="{C52E462B-6287-4338-9269-FC7922C27613}"/>
               </a:ext>
             </a:extLst>
           </p:cNvPr>
-          <p:cNvSpPr>
-            <a:spLocks noGrp="1"/>
-          </p:cNvSpPr>
-          <p:nvPr>
-            <p:ph idx="1"/>
-          </p:nvPr>
-        </p:nvSpPr>
+          <p:cNvPicPr>
+            <a:picLocks noChangeAspect="1"/>
+          </p:cNvPicPr>
+          <p:nvPr/>
+        </p:nvPicPr>
+        <p:blipFill>
+          <a:blip r:embed="rId2"/>
+          <a:stretch>
+            <a:fillRect/>
+          </a:stretch>
+        </p:blipFill>
         <p:spPr>
           <a:xfrm>
-            <a:off x="1295401" y="2556932"/>
-            <a:ext cx="9601196" cy="3318935"/>
-          </a:xfrm>
-        </p:spPr>
-        <p:txBody>
-          <a:bodyPr>
-            <a:normAutofit/>
-          </a:bodyPr>
-          <a:lstStyle/>
-          <a:p>
-            <a:r>
-              <a:rPr lang="hu-HU" dirty="0"/>
-              <a:t>Első lépésként a </a:t>
-            </a:r>
-            <a:br>
-              <a:rPr lang="hu-HU" dirty="0"/>
-            </a:br>
-            <a:r>
-              <a:rPr lang="hu-HU" sz="2400" dirty="0"/>
-              <a:t>parancs kiadását követően a program legenerálja a táblázatot.</a:t>
-            </a:r>
-          </a:p>
-          <a:p>
-            <a:r>
-              <a:rPr lang="hu-HU" sz="2400" dirty="0"/>
-              <a:t>Ezt követően a generált állományt tetszőleges szövegszerkesztővel megnyitva szerkesztheti a felhasználó. </a:t>
-            </a:r>
-          </a:p>
-          <a:p>
-            <a:r>
-              <a:rPr lang="hu-HU" sz="2400" dirty="0"/>
-              <a:t>Majd a</a:t>
-            </a:r>
-            <a:br>
-              <a:rPr lang="hu-HU" sz="2400" dirty="0"/>
-            </a:br>
-            <a:r>
-              <a:rPr lang="hu-HU" sz="2400" dirty="0"/>
-              <a:t>parancs kiadásával a második lépésben opcionálisan szerkesztett </a:t>
-            </a:r>
-            <a:r>
-              <a:rPr lang="hu-HU" sz="2400" dirty="0" err="1"/>
-              <a:t>json</a:t>
-            </a:r>
-            <a:r>
-              <a:rPr lang="hu-HU" sz="2400" dirty="0"/>
-              <a:t> fájl alapján  elkészül a kívánt kimenet melynek típusa kapcsolókkal választható.</a:t>
-            </a:r>
-          </a:p>
-        </p:txBody>
-      </p:sp>
-      <p:sp>
-        <p:nvSpPr>
-          <p:cNvPr id="5" name="Rectangle 2">
-            <a:extLst>
-              <a:ext uri="{FF2B5EF4-FFF2-40B4-BE49-F238E27FC236}">
-                <a16:creationId xmlns:a16="http://schemas.microsoft.com/office/drawing/2014/main" id="{2454C155-22F7-4E01-9F4D-54FA8D63BCC5}"/>
-              </a:ext>
-            </a:extLst>
-          </p:cNvPr>
-          <p:cNvSpPr>
-            <a:spLocks noChangeArrowheads="1"/>
-          </p:cNvSpPr>
-          <p:nvPr/>
-        </p:nvSpPr>
-        <p:spPr bwMode="auto">
-          <a:xfrm>
-            <a:off x="3775482" y="2623192"/>
-            <a:ext cx="4906073" cy="307777"/>
+            <a:off x="651355" y="2891534"/>
+            <a:ext cx="10889290" cy="2824593"/>
           </a:xfrm>
           <a:prstGeom prst="rect">
             <a:avLst/>
           </a:prstGeom>
-          <a:solidFill>
-            <a:schemeClr val="tx2">
-              <a:lumMod val="10000"/>
-              <a:lumOff val="90000"/>
-            </a:schemeClr>
-          </a:solidFill>
-          <a:ln>
-            <a:noFill/>
-          </a:ln>
-          <a:effectLst/>
         </p:spPr>
-        <p:txBody>
-          <a:bodyPr vert="horz" wrap="square" lIns="91440" tIns="0" rIns="91440" bIns="0" numCol="1" anchor="ctr" anchorCtr="0" compatLnSpc="1">
-            <a:prstTxWarp prst="textNoShape">
-              <a:avLst/>
-            </a:prstTxWarp>
-            <a:spAutoFit/>
-          </a:bodyPr>
-          <a:lstStyle/>
-          <a:p>
-            <a:pPr marL="0" marR="0" lvl="0" indent="0" algn="l" defTabSz="914400" rtl="0" eaLnBrk="0" fontAlgn="base" latinLnBrk="0" hangingPunct="0">
-              <a:lnSpc>
-                <a:spcPct val="100000"/>
-              </a:lnSpc>
-              <a:spcBef>
-                <a:spcPct val="0"/>
-              </a:spcBef>
-              <a:spcAft>
-                <a:spcPct val="0"/>
-              </a:spcAft>
-              <a:buClrTx/>
-              <a:buSzTx/>
-              <a:buFontTx/>
-              <a:buNone/>
-              <a:tabLst/>
-            </a:pPr>
-            <a:r>
-              <a:rPr lang="hu-HU" altLang="hu-HU" sz="2000" dirty="0">
-                <a:solidFill>
-                  <a:schemeClr val="tx1">
-                    <a:lumMod val="85000"/>
-                    <a:lumOff val="15000"/>
-                  </a:schemeClr>
-                </a:solidFill>
-              </a:rPr>
-              <a:t>gmpl2latex [input.mod] --</a:t>
-            </a:r>
-            <a:r>
-              <a:rPr lang="hu-HU" altLang="hu-HU" sz="2000" dirty="0" err="1">
-                <a:solidFill>
-                  <a:schemeClr val="tx1">
-                    <a:lumMod val="85000"/>
-                    <a:lumOff val="15000"/>
-                  </a:schemeClr>
-                </a:solidFill>
-              </a:rPr>
-              <a:t>createjson</a:t>
-            </a:r>
-            <a:r>
-              <a:rPr lang="hu-HU" altLang="hu-HU" sz="2000" dirty="0">
-                <a:solidFill>
-                  <a:schemeClr val="tx1">
-                    <a:lumMod val="85000"/>
-                    <a:lumOff val="15000"/>
-                  </a:schemeClr>
-                </a:solidFill>
-              </a:rPr>
-              <a:t> [</a:t>
-            </a:r>
-            <a:r>
-              <a:rPr lang="hu-HU" altLang="hu-HU" sz="2000" dirty="0" err="1">
-                <a:solidFill>
-                  <a:schemeClr val="tx1">
-                    <a:lumMod val="85000"/>
-                    <a:lumOff val="15000"/>
-                  </a:schemeClr>
-                </a:solidFill>
-              </a:rPr>
-              <a:t>vars.json</a:t>
-            </a:r>
-            <a:r>
-              <a:rPr lang="hu-HU" altLang="hu-HU" sz="2000" dirty="0">
-                <a:solidFill>
-                  <a:schemeClr val="tx1">
-                    <a:lumMod val="85000"/>
-                    <a:lumOff val="15000"/>
-                  </a:schemeClr>
-                </a:solidFill>
-              </a:rPr>
-              <a:t>] </a:t>
-            </a:r>
-          </a:p>
-        </p:txBody>
-      </p:sp>
-      <p:sp>
-        <p:nvSpPr>
-          <p:cNvPr id="9" name="Rectangle 2">
-            <a:extLst>
-              <a:ext uri="{FF2B5EF4-FFF2-40B4-BE49-F238E27FC236}">
-                <a16:creationId xmlns:a16="http://schemas.microsoft.com/office/drawing/2014/main" id="{CD2552A1-36BC-4117-A107-BD7AE60031A4}"/>
-              </a:ext>
-            </a:extLst>
-          </p:cNvPr>
-          <p:cNvSpPr>
-            <a:spLocks noChangeArrowheads="1"/>
-          </p:cNvSpPr>
-          <p:nvPr/>
-        </p:nvSpPr>
-        <p:spPr bwMode="auto">
-          <a:xfrm>
-            <a:off x="2558631" y="4379272"/>
-            <a:ext cx="7498800" cy="307777"/>
-          </a:xfrm>
-          <a:prstGeom prst="rect">
-            <a:avLst/>
-          </a:prstGeom>
-          <a:solidFill>
-            <a:schemeClr val="tx2">
-              <a:lumMod val="10000"/>
-              <a:lumOff val="90000"/>
-            </a:schemeClr>
-          </a:solidFill>
-          <a:ln>
-            <a:noFill/>
-          </a:ln>
-          <a:effectLst/>
-        </p:spPr>
-        <p:txBody>
-          <a:bodyPr vert="horz" wrap="square" lIns="91440" tIns="0" rIns="91440" bIns="0" numCol="1" anchor="ctr" anchorCtr="0" compatLnSpc="1">
-            <a:prstTxWarp prst="textNoShape">
-              <a:avLst/>
-            </a:prstTxWarp>
-            <a:spAutoFit/>
-          </a:bodyPr>
-          <a:lstStyle/>
-          <a:p>
-            <a:pPr marL="0" marR="0" lvl="0" indent="0" algn="l" defTabSz="914400" rtl="0" eaLnBrk="0" fontAlgn="base" latinLnBrk="0" hangingPunct="0">
-              <a:lnSpc>
-                <a:spcPct val="100000"/>
-              </a:lnSpc>
-              <a:spcBef>
-                <a:spcPct val="0"/>
-              </a:spcBef>
-              <a:spcAft>
-                <a:spcPct val="0"/>
-              </a:spcAft>
-              <a:buClrTx/>
-              <a:buSzTx/>
-              <a:buFontTx/>
-              <a:buNone/>
-              <a:tabLst/>
-            </a:pPr>
-            <a:r>
-              <a:rPr lang="hu-HU" altLang="hu-HU" sz="2000" dirty="0">
-                <a:solidFill>
-                  <a:schemeClr val="tx1">
-                    <a:lumMod val="85000"/>
-                    <a:lumOff val="15000"/>
-                  </a:schemeClr>
-                </a:solidFill>
-              </a:rPr>
-              <a:t>gmpl2latex [input.mod] --</a:t>
-            </a:r>
-            <a:r>
-              <a:rPr lang="hu-HU" altLang="hu-HU" sz="2000" dirty="0" err="1">
-                <a:solidFill>
-                  <a:schemeClr val="tx1">
-                    <a:lumMod val="85000"/>
-                    <a:lumOff val="15000"/>
-                  </a:schemeClr>
-                </a:solidFill>
-              </a:rPr>
-              <a:t>readjson</a:t>
-            </a:r>
-            <a:r>
-              <a:rPr lang="hu-HU" altLang="hu-HU" sz="2000" dirty="0">
-                <a:solidFill>
-                  <a:schemeClr val="tx1">
-                    <a:lumMod val="85000"/>
-                    <a:lumOff val="15000"/>
-                  </a:schemeClr>
-                </a:solidFill>
-              </a:rPr>
-              <a:t> [</a:t>
-            </a:r>
-            <a:r>
-              <a:rPr lang="hu-HU" altLang="hu-HU" sz="2000" dirty="0" err="1">
-                <a:solidFill>
-                  <a:schemeClr val="tx1">
-                    <a:lumMod val="85000"/>
-                    <a:lumOff val="15000"/>
-                  </a:schemeClr>
-                </a:solidFill>
-              </a:rPr>
-              <a:t>vars.json</a:t>
-            </a:r>
-            <a:r>
-              <a:rPr lang="hu-HU" altLang="hu-HU" sz="2000" dirty="0">
-                <a:solidFill>
-                  <a:schemeClr val="tx1">
-                    <a:lumMod val="85000"/>
-                    <a:lumOff val="15000"/>
-                  </a:schemeClr>
-                </a:solidFill>
-              </a:rPr>
-              <a:t>] --</a:t>
-            </a:r>
-            <a:r>
-              <a:rPr lang="hu-HU" altLang="hu-HU" sz="2000" dirty="0" err="1">
-                <a:solidFill>
-                  <a:schemeClr val="tx1">
-                    <a:lumMod val="85000"/>
-                    <a:lumOff val="15000"/>
-                  </a:schemeClr>
-                </a:solidFill>
-              </a:rPr>
-              <a:t>outputtex</a:t>
-            </a:r>
-            <a:r>
-              <a:rPr lang="hu-HU" altLang="hu-HU" sz="2000" dirty="0">
-                <a:solidFill>
-                  <a:schemeClr val="tx1">
-                    <a:lumMod val="85000"/>
-                    <a:lumOff val="15000"/>
-                  </a:schemeClr>
-                </a:solidFill>
-              </a:rPr>
-              <a:t> [</a:t>
-            </a:r>
-            <a:r>
-              <a:rPr lang="hu-HU" altLang="hu-HU" sz="2000" dirty="0" err="1">
-                <a:solidFill>
-                  <a:schemeClr val="tx1">
-                    <a:lumMod val="85000"/>
-                    <a:lumOff val="15000"/>
-                  </a:schemeClr>
-                </a:solidFill>
-              </a:rPr>
-              <a:t>example.tex</a:t>
-            </a:r>
-            <a:r>
-              <a:rPr lang="hu-HU" altLang="hu-HU" sz="2000" dirty="0">
-                <a:solidFill>
-                  <a:schemeClr val="tx1">
-                    <a:lumMod val="85000"/>
-                    <a:lumOff val="15000"/>
-                  </a:schemeClr>
-                </a:solidFill>
-              </a:rPr>
-              <a:t>] </a:t>
-            </a:r>
-          </a:p>
-        </p:txBody>
-      </p:sp>
-      <p:sp>
-        <p:nvSpPr>
-          <p:cNvPr id="4" name="Élőláb helye 3">
-            <a:extLst>
-              <a:ext uri="{FF2B5EF4-FFF2-40B4-BE49-F238E27FC236}">
-                <a16:creationId xmlns:a16="http://schemas.microsoft.com/office/drawing/2014/main" id="{EF7D820F-71A8-47A7-A437-CC39B4A40AE9}"/>
-              </a:ext>
-            </a:extLst>
-          </p:cNvPr>
-          <p:cNvSpPr>
-            <a:spLocks noGrp="1"/>
-          </p:cNvSpPr>
-          <p:nvPr>
-            <p:ph type="ftr" sz="quarter" idx="11"/>
-          </p:nvPr>
-        </p:nvSpPr>
-        <p:spPr/>
-        <p:txBody>
-          <a:bodyPr/>
-          <a:lstStyle/>
-          <a:p>
-            <a:r>
-              <a:rPr lang="en-US" dirty="0"/>
-              <a:t>1. A </a:t>
-            </a:r>
-            <a:r>
-              <a:rPr lang="en-US" dirty="0" err="1"/>
-              <a:t>szükséges</a:t>
-            </a:r>
-            <a:r>
-              <a:rPr lang="en-US" dirty="0"/>
-              <a:t> </a:t>
-            </a:r>
-            <a:r>
-              <a:rPr lang="en-US" dirty="0" err="1"/>
-              <a:t>paramétereket</a:t>
-            </a:r>
-            <a:r>
-              <a:rPr lang="en-US" dirty="0"/>
-              <a:t> </a:t>
-            </a:r>
-            <a:r>
-              <a:rPr lang="en-US" dirty="0" err="1"/>
-              <a:t>minden</a:t>
-            </a:r>
-            <a:r>
-              <a:rPr lang="en-US" dirty="0"/>
-              <a:t> </a:t>
-            </a:r>
-            <a:r>
-              <a:rPr lang="en-US" dirty="0" err="1"/>
-              <a:t>esetben</a:t>
-            </a:r>
-            <a:r>
-              <a:rPr lang="en-US" dirty="0"/>
-              <a:t> [] </a:t>
-            </a:r>
-            <a:r>
-              <a:rPr lang="en-US" dirty="0" err="1"/>
-              <a:t>nélkül</a:t>
-            </a:r>
-            <a:r>
-              <a:rPr lang="en-US" dirty="0"/>
-              <a:t> </a:t>
-            </a:r>
-            <a:r>
-              <a:rPr lang="en-US" dirty="0" err="1"/>
-              <a:t>kell</a:t>
-            </a:r>
-            <a:r>
-              <a:rPr lang="en-US" dirty="0"/>
-              <a:t> </a:t>
-            </a:r>
-            <a:r>
-              <a:rPr lang="en-US" dirty="0" err="1"/>
-              <a:t>megadni</a:t>
-            </a:r>
-            <a:r>
-              <a:rPr lang="hu-HU" dirty="0"/>
-              <a:t>.</a:t>
-            </a:r>
-            <a:endParaRPr lang="en-US" dirty="0"/>
-          </a:p>
-        </p:txBody>
-      </p:sp>
+      </p:pic>
     </p:spTree>
     <p:extLst>
       <p:ext uri="{BB962C8B-B14F-4D97-AF65-F5344CB8AC3E}">
-        <p14:creationId xmlns:p14="http://schemas.microsoft.com/office/powerpoint/2010/main" val="1569684778"/>
+        <p14:creationId xmlns:p14="http://schemas.microsoft.com/office/powerpoint/2010/main" val="4184217845"/>
       </p:ext>
     </p:extLst>
   </p:cSld>
@@ -8427,94 +9113,6 @@
 </file>
 
 <file path=ppt/slides/slide8.xml><?xml version="1.0" encoding="utf-8"?>
-<p:sld xmlns:a="http://schemas.openxmlformats.org/drawingml/2006/main" xmlns:r="http://schemas.openxmlformats.org/officeDocument/2006/relationships" xmlns:p="http://schemas.openxmlformats.org/presentationml/2006/main">
-  <p:cSld>
-    <p:spTree>
-      <p:nvGrpSpPr>
-        <p:cNvPr id="1" name=""/>
-        <p:cNvGrpSpPr/>
-        <p:nvPr/>
-      </p:nvGrpSpPr>
-      <p:grpSpPr>
-        <a:xfrm>
-          <a:off x="0" y="0"/>
-          <a:ext cx="0" cy="0"/>
-          <a:chOff x="0" y="0"/>
-          <a:chExt cx="0" cy="0"/>
-        </a:xfrm>
-      </p:grpSpPr>
-      <p:sp>
-        <p:nvSpPr>
-          <p:cNvPr id="2" name="Cím 1">
-            <a:extLst>
-              <a:ext uri="{FF2B5EF4-FFF2-40B4-BE49-F238E27FC236}">
-                <a16:creationId xmlns:a16="http://schemas.microsoft.com/office/drawing/2014/main" id="{1CCA4228-EA41-45EC-921B-FE5018C3472F}"/>
-              </a:ext>
-            </a:extLst>
-          </p:cNvPr>
-          <p:cNvSpPr>
-            <a:spLocks noGrp="1"/>
-          </p:cNvSpPr>
-          <p:nvPr>
-            <p:ph type="title"/>
-          </p:nvPr>
-        </p:nvSpPr>
-        <p:spPr/>
-        <p:txBody>
-          <a:bodyPr/>
-          <a:lstStyle/>
-          <a:p>
-            <a:r>
-              <a:rPr lang="hu-HU"/>
-              <a:t>Use case diagram</a:t>
-            </a:r>
-            <a:endParaRPr lang="hu-HU" dirty="0"/>
-          </a:p>
-        </p:txBody>
-      </p:sp>
-      <p:pic>
-        <p:nvPicPr>
-          <p:cNvPr id="5" name="Tartalom helye 4">
-            <a:extLst>
-              <a:ext uri="{FF2B5EF4-FFF2-40B4-BE49-F238E27FC236}">
-                <a16:creationId xmlns:a16="http://schemas.microsoft.com/office/drawing/2014/main" id="{690D558E-8F5D-406D-88A4-2299B6E44875}"/>
-              </a:ext>
-            </a:extLst>
-          </p:cNvPr>
-          <p:cNvPicPr>
-            <a:picLocks noGrp="1" noChangeAspect="1"/>
-          </p:cNvPicPr>
-          <p:nvPr>
-            <p:ph idx="1"/>
-          </p:nvPr>
-        </p:nvPicPr>
-        <p:blipFill>
-          <a:blip r:embed="rId2"/>
-          <a:stretch>
-            <a:fillRect/>
-          </a:stretch>
-        </p:blipFill>
-        <p:spPr>
-          <a:xfrm>
-            <a:off x="2771192" y="1951903"/>
-            <a:ext cx="5915608" cy="4747679"/>
-          </a:xfrm>
-        </p:spPr>
-      </p:pic>
-    </p:spTree>
-    <p:extLst>
-      <p:ext uri="{BB962C8B-B14F-4D97-AF65-F5344CB8AC3E}">
-        <p14:creationId xmlns:p14="http://schemas.microsoft.com/office/powerpoint/2010/main" val="1833739760"/>
-      </p:ext>
-    </p:extLst>
-  </p:cSld>
-  <p:clrMapOvr>
-    <a:masterClrMapping/>
-  </p:clrMapOvr>
-</p:sld>
-</file>
-
-<file path=ppt/slides/slide9.xml><?xml version="1.0" encoding="utf-8"?>
 <p:sld xmlns:a="http://schemas.openxmlformats.org/drawingml/2006/main" xmlns:r="http://schemas.openxmlformats.org/officeDocument/2006/relationships" xmlns:p="http://schemas.openxmlformats.org/presentationml/2006/main">
   <p:cSld>
     <p:spTree>
@@ -8679,6 +9277,94 @@
     <p:extLst>
       <p:ext uri="{BB962C8B-B14F-4D97-AF65-F5344CB8AC3E}">
         <p14:creationId xmlns:p14="http://schemas.microsoft.com/office/powerpoint/2010/main" val="2006816623"/>
+      </p:ext>
+    </p:extLst>
+  </p:cSld>
+  <p:clrMapOvr>
+    <a:masterClrMapping/>
+  </p:clrMapOvr>
+</p:sld>
+</file>
+
+<file path=ppt/slides/slide9.xml><?xml version="1.0" encoding="utf-8"?>
+<p:sld xmlns:a="http://schemas.openxmlformats.org/drawingml/2006/main" xmlns:r="http://schemas.openxmlformats.org/officeDocument/2006/relationships" xmlns:p="http://schemas.openxmlformats.org/presentationml/2006/main">
+  <p:cSld>
+    <p:spTree>
+      <p:nvGrpSpPr>
+        <p:cNvPr id="1" name=""/>
+        <p:cNvGrpSpPr/>
+        <p:nvPr/>
+      </p:nvGrpSpPr>
+      <p:grpSpPr>
+        <a:xfrm>
+          <a:off x="0" y="0"/>
+          <a:ext cx="0" cy="0"/>
+          <a:chOff x="0" y="0"/>
+          <a:chExt cx="0" cy="0"/>
+        </a:xfrm>
+      </p:grpSpPr>
+      <p:sp>
+        <p:nvSpPr>
+          <p:cNvPr id="2" name="Cím 1">
+            <a:extLst>
+              <a:ext uri="{FF2B5EF4-FFF2-40B4-BE49-F238E27FC236}">
+                <a16:creationId xmlns:a16="http://schemas.microsoft.com/office/drawing/2014/main" id="{1CCA4228-EA41-45EC-921B-FE5018C3472F}"/>
+              </a:ext>
+            </a:extLst>
+          </p:cNvPr>
+          <p:cNvSpPr>
+            <a:spLocks noGrp="1"/>
+          </p:cNvSpPr>
+          <p:nvPr>
+            <p:ph type="title"/>
+          </p:nvPr>
+        </p:nvSpPr>
+        <p:spPr/>
+        <p:txBody>
+          <a:bodyPr/>
+          <a:lstStyle/>
+          <a:p>
+            <a:r>
+              <a:rPr lang="hu-HU"/>
+              <a:t>Use case diagram</a:t>
+            </a:r>
+            <a:endParaRPr lang="hu-HU" dirty="0"/>
+          </a:p>
+        </p:txBody>
+      </p:sp>
+      <p:pic>
+        <p:nvPicPr>
+          <p:cNvPr id="5" name="Tartalom helye 4">
+            <a:extLst>
+              <a:ext uri="{FF2B5EF4-FFF2-40B4-BE49-F238E27FC236}">
+                <a16:creationId xmlns:a16="http://schemas.microsoft.com/office/drawing/2014/main" id="{690D558E-8F5D-406D-88A4-2299B6E44875}"/>
+              </a:ext>
+            </a:extLst>
+          </p:cNvPr>
+          <p:cNvPicPr>
+            <a:picLocks noGrp="1" noChangeAspect="1"/>
+          </p:cNvPicPr>
+          <p:nvPr>
+            <p:ph idx="1"/>
+          </p:nvPr>
+        </p:nvPicPr>
+        <p:blipFill>
+          <a:blip r:embed="rId2"/>
+          <a:stretch>
+            <a:fillRect/>
+          </a:stretch>
+        </p:blipFill>
+        <p:spPr>
+          <a:xfrm>
+            <a:off x="2771192" y="1951903"/>
+            <a:ext cx="5915608" cy="4747679"/>
+          </a:xfrm>
+        </p:spPr>
+      </p:pic>
+    </p:spTree>
+    <p:extLst>
+      <p:ext uri="{BB962C8B-B14F-4D97-AF65-F5344CB8AC3E}">
+        <p14:creationId xmlns:p14="http://schemas.microsoft.com/office/powerpoint/2010/main" val="1833739760"/>
       </p:ext>
     </p:extLst>
   </p:cSld>
